--- a/TeamProjectPPT.pptx
+++ b/TeamProjectPPT.pptx
@@ -5,16 +5,27 @@
     <p:sldMasterId id="2147483648" r:id="rId1"/>
   </p:sldMasterIdLst>
   <p:notesMasterIdLst>
-    <p:notesMasterId r:id="rId9"/>
+    <p:notesMasterId r:id="rId20"/>
   </p:notesMasterIdLst>
   <p:sldIdLst>
     <p:sldId id="256" r:id="rId2"/>
     <p:sldId id="258" r:id="rId3"/>
     <p:sldId id="260" r:id="rId4"/>
     <p:sldId id="257" r:id="rId5"/>
-    <p:sldId id="262" r:id="rId6"/>
-    <p:sldId id="261" r:id="rId7"/>
-    <p:sldId id="259" r:id="rId8"/>
+    <p:sldId id="264" r:id="rId6"/>
+    <p:sldId id="266" r:id="rId7"/>
+    <p:sldId id="272" r:id="rId8"/>
+    <p:sldId id="267" r:id="rId9"/>
+    <p:sldId id="269" r:id="rId10"/>
+    <p:sldId id="270" r:id="rId11"/>
+    <p:sldId id="271" r:id="rId12"/>
+    <p:sldId id="261" r:id="rId13"/>
+    <p:sldId id="274" r:id="rId14"/>
+    <p:sldId id="275" r:id="rId15"/>
+    <p:sldId id="273" r:id="rId16"/>
+    <p:sldId id="276" r:id="rId17"/>
+    <p:sldId id="277" r:id="rId18"/>
+    <p:sldId id="278" r:id="rId19"/>
   </p:sldIdLst>
   <p:sldSz cx="12192000" cy="6858000"/>
   <p:notesSz cx="6858000" cy="9144000"/>
@@ -248,8 +259,11 @@
     </a:lvl9pPr>
   </p:defaultTextStyle>
   <p:extLst>
+    <p:ext uri="{EFAFB233-063F-42B5-8137-9DF3F51BA10A}">
+      <p15:sldGuideLst xmlns:p15="http://schemas.microsoft.com/office/powerpoint/2012/main"/>
+    </p:ext>
     <p:ext uri="GoogleSlidesCustomDataVersion2">
-      <go:slidesCustomData xmlns:go="http://customooxmlschemas.google.com/" xmlns:ahyp="http://schemas.microsoft.com/office/drawing/2018/hyperlinkcolor" xmlns:p15="http://schemas.microsoft.com/office/powerpoint/2012/main" xmlns:p14="http://schemas.microsoft.com/office/powerpoint/2010/main" xmlns:com="http://schemas.openxmlformats.org/drawingml/2006/compatibility" xmlns:pvml="urn:schemas-microsoft-com:office:powerpoint" xmlns:v="urn:schemas-microsoft-com:vml" xmlns:o="urn:schemas-microsoft-com:office:office" xmlns:dgm="http://schemas.openxmlformats.org/drawingml/2006/diagram" xmlns:c="http://schemas.openxmlformats.org/drawingml/2006/chart" xmlns:mv="urn:schemas-microsoft-com:mac:vml" xmlns:mc="http://schemas.openxmlformats.org/markup-compatibility/2006" xmlns="" r:id="rId10" roundtripDataSignature="AMtx7mj5GdbxsaFl02bTEFBl/9s84/Z/Bw=="/>
+      <go:slidesCustomData xmlns="" xmlns:mc="http://schemas.openxmlformats.org/markup-compatibility/2006" xmlns:mv="urn:schemas-microsoft-com:mac:vml" xmlns:c="http://schemas.openxmlformats.org/drawingml/2006/chart" xmlns:dgm="http://schemas.openxmlformats.org/drawingml/2006/diagram" xmlns:o="urn:schemas-microsoft-com:office:office" xmlns:v="urn:schemas-microsoft-com:vml" xmlns:pvml="urn:schemas-microsoft-com:office:powerpoint" xmlns:com="http://schemas.openxmlformats.org/drawingml/2006/compatibility" xmlns:p14="http://schemas.microsoft.com/office/powerpoint/2010/main" xmlns:p15="http://schemas.microsoft.com/office/powerpoint/2012/main" xmlns:ahyp="http://schemas.microsoft.com/office/drawing/2018/hyperlinkcolor" xmlns:go="http://customooxmlschemas.google.com/" r:id="rId21" roundtripDataSignature="AMtx7mj5GdbxsaFl02bTEFBl/9s84/Z/Bw=="/>
     </p:ext>
   </p:extLst>
 </p:presentation>
@@ -800,6 +814,987 @@
 </p:notes>
 </file>
 
+<file path=ppt/notesSlides/notesSlide10.xml><?xml version="1.0" encoding="utf-8"?>
+<p:notes xmlns:a="http://schemas.openxmlformats.org/drawingml/2006/main" xmlns:r="http://schemas.openxmlformats.org/officeDocument/2006/relationships" xmlns:p="http://schemas.openxmlformats.org/presentationml/2006/main" showMasterSp="0" showMasterPhAnim="0">
+  <p:cSld>
+    <p:spTree>
+      <p:nvGrpSpPr>
+        <p:cNvPr id="1" name="Shape 55"/>
+        <p:cNvGrpSpPr/>
+        <p:nvPr/>
+      </p:nvGrpSpPr>
+      <p:grpSpPr>
+        <a:xfrm>
+          <a:off x="0" y="0"/>
+          <a:ext cx="0" cy="0"/>
+          <a:chOff x="0" y="0"/>
+          <a:chExt cx="0" cy="0"/>
+        </a:xfrm>
+      </p:grpSpPr>
+      <p:sp>
+        <p:nvSpPr>
+          <p:cNvPr id="56" name="Google Shape;56;p3:notes"/>
+          <p:cNvSpPr txBox="1">
+            <a:spLocks noGrp="1"/>
+          </p:cNvSpPr>
+          <p:nvPr>
+            <p:ph type="body" idx="1"/>
+          </p:nvPr>
+        </p:nvSpPr>
+        <p:spPr>
+          <a:xfrm>
+            <a:off x="685800" y="4343400"/>
+            <a:ext cx="5486400" cy="4114800"/>
+          </a:xfrm>
+          <a:prstGeom prst="rect">
+            <a:avLst/>
+          </a:prstGeom>
+        </p:spPr>
+        <p:txBody>
+          <a:bodyPr spcFirstLastPara="1" wrap="square" lIns="91425" tIns="91425" rIns="91425" bIns="91425" anchor="t" anchorCtr="0">
+            <a:noAutofit/>
+          </a:bodyPr>
+          <a:lstStyle/>
+          <a:p>
+            <a:pPr marL="0" lvl="0" indent="0" algn="l" rtl="0">
+              <a:spcBef>
+                <a:spcPts val="0"/>
+              </a:spcBef>
+              <a:spcAft>
+                <a:spcPts val="0"/>
+              </a:spcAft>
+              <a:buNone/>
+            </a:pPr>
+            <a:endParaRPr/>
+          </a:p>
+        </p:txBody>
+      </p:sp>
+      <p:sp>
+        <p:nvSpPr>
+          <p:cNvPr id="57" name="Google Shape;57;p3:notes"/>
+          <p:cNvSpPr>
+            <a:spLocks noGrp="1" noRot="1" noChangeAspect="1"/>
+          </p:cNvSpPr>
+          <p:nvPr>
+            <p:ph type="sldImg" idx="2"/>
+          </p:nvPr>
+        </p:nvSpPr>
+        <p:spPr>
+          <a:xfrm>
+            <a:off x="381000" y="685800"/>
+            <a:ext cx="6096000" cy="3429000"/>
+          </a:xfrm>
+          <a:custGeom>
+            <a:avLst/>
+            <a:gdLst/>
+            <a:ahLst/>
+            <a:cxnLst/>
+            <a:rect l="l" t="t" r="r" b="b"/>
+            <a:pathLst>
+              <a:path w="120000" h="120000" extrusionOk="0">
+                <a:moveTo>
+                  <a:pt x="0" y="0"/>
+                </a:moveTo>
+                <a:lnTo>
+                  <a:pt x="120000" y="0"/>
+                </a:lnTo>
+                <a:lnTo>
+                  <a:pt x="120000" y="120000"/>
+                </a:lnTo>
+                <a:lnTo>
+                  <a:pt x="0" y="120000"/>
+                </a:lnTo>
+                <a:close/>
+              </a:path>
+            </a:pathLst>
+          </a:custGeom>
+        </p:spPr>
+      </p:sp>
+    </p:spTree>
+    <p:extLst>
+      <p:ext uri="{BB962C8B-B14F-4D97-AF65-F5344CB8AC3E}">
+        <p14:creationId xmlns:p14="http://schemas.microsoft.com/office/powerpoint/2010/main" val="2301681553"/>
+      </p:ext>
+    </p:extLst>
+  </p:cSld>
+  <p:clrMapOvr>
+    <a:masterClrMapping/>
+  </p:clrMapOvr>
+</p:notes>
+</file>
+
+<file path=ppt/notesSlides/notesSlide11.xml><?xml version="1.0" encoding="utf-8"?>
+<p:notes xmlns:a="http://schemas.openxmlformats.org/drawingml/2006/main" xmlns:r="http://schemas.openxmlformats.org/officeDocument/2006/relationships" xmlns:p="http://schemas.openxmlformats.org/presentationml/2006/main" showMasterSp="0" showMasterPhAnim="0">
+  <p:cSld>
+    <p:spTree>
+      <p:nvGrpSpPr>
+        <p:cNvPr id="1" name="Shape 55"/>
+        <p:cNvGrpSpPr/>
+        <p:nvPr/>
+      </p:nvGrpSpPr>
+      <p:grpSpPr>
+        <a:xfrm>
+          <a:off x="0" y="0"/>
+          <a:ext cx="0" cy="0"/>
+          <a:chOff x="0" y="0"/>
+          <a:chExt cx="0" cy="0"/>
+        </a:xfrm>
+      </p:grpSpPr>
+      <p:sp>
+        <p:nvSpPr>
+          <p:cNvPr id="56" name="Google Shape;56;p3:notes"/>
+          <p:cNvSpPr txBox="1">
+            <a:spLocks noGrp="1"/>
+          </p:cNvSpPr>
+          <p:nvPr>
+            <p:ph type="body" idx="1"/>
+          </p:nvPr>
+        </p:nvSpPr>
+        <p:spPr>
+          <a:xfrm>
+            <a:off x="685800" y="4343400"/>
+            <a:ext cx="5486400" cy="4114800"/>
+          </a:xfrm>
+          <a:prstGeom prst="rect">
+            <a:avLst/>
+          </a:prstGeom>
+        </p:spPr>
+        <p:txBody>
+          <a:bodyPr spcFirstLastPara="1" wrap="square" lIns="91425" tIns="91425" rIns="91425" bIns="91425" anchor="t" anchorCtr="0">
+            <a:noAutofit/>
+          </a:bodyPr>
+          <a:lstStyle/>
+          <a:p>
+            <a:pPr marL="0" lvl="0" indent="0" algn="l" rtl="0">
+              <a:spcBef>
+                <a:spcPts val="0"/>
+              </a:spcBef>
+              <a:spcAft>
+                <a:spcPts val="0"/>
+              </a:spcAft>
+              <a:buNone/>
+            </a:pPr>
+            <a:endParaRPr/>
+          </a:p>
+        </p:txBody>
+      </p:sp>
+      <p:sp>
+        <p:nvSpPr>
+          <p:cNvPr id="57" name="Google Shape;57;p3:notes"/>
+          <p:cNvSpPr>
+            <a:spLocks noGrp="1" noRot="1" noChangeAspect="1"/>
+          </p:cNvSpPr>
+          <p:nvPr>
+            <p:ph type="sldImg" idx="2"/>
+          </p:nvPr>
+        </p:nvSpPr>
+        <p:spPr>
+          <a:xfrm>
+            <a:off x="381000" y="685800"/>
+            <a:ext cx="6096000" cy="3429000"/>
+          </a:xfrm>
+          <a:custGeom>
+            <a:avLst/>
+            <a:gdLst/>
+            <a:ahLst/>
+            <a:cxnLst/>
+            <a:rect l="l" t="t" r="r" b="b"/>
+            <a:pathLst>
+              <a:path w="120000" h="120000" extrusionOk="0">
+                <a:moveTo>
+                  <a:pt x="0" y="0"/>
+                </a:moveTo>
+                <a:lnTo>
+                  <a:pt x="120000" y="0"/>
+                </a:lnTo>
+                <a:lnTo>
+                  <a:pt x="120000" y="120000"/>
+                </a:lnTo>
+                <a:lnTo>
+                  <a:pt x="0" y="120000"/>
+                </a:lnTo>
+                <a:close/>
+              </a:path>
+            </a:pathLst>
+          </a:custGeom>
+        </p:spPr>
+      </p:sp>
+    </p:spTree>
+    <p:extLst>
+      <p:ext uri="{BB962C8B-B14F-4D97-AF65-F5344CB8AC3E}">
+        <p14:creationId xmlns:p14="http://schemas.microsoft.com/office/powerpoint/2010/main" val="877333315"/>
+      </p:ext>
+    </p:extLst>
+  </p:cSld>
+  <p:clrMapOvr>
+    <a:masterClrMapping/>
+  </p:clrMapOvr>
+</p:notes>
+</file>
+
+<file path=ppt/notesSlides/notesSlide12.xml><?xml version="1.0" encoding="utf-8"?>
+<p:notes xmlns:a="http://schemas.openxmlformats.org/drawingml/2006/main" xmlns:r="http://schemas.openxmlformats.org/officeDocument/2006/relationships" xmlns:p="http://schemas.openxmlformats.org/presentationml/2006/main" showMasterSp="0" showMasterPhAnim="0">
+  <p:cSld>
+    <p:spTree>
+      <p:nvGrpSpPr>
+        <p:cNvPr id="1" name="Shape 50"/>
+        <p:cNvGrpSpPr/>
+        <p:nvPr/>
+      </p:nvGrpSpPr>
+      <p:grpSpPr>
+        <a:xfrm>
+          <a:off x="0" y="0"/>
+          <a:ext cx="0" cy="0"/>
+          <a:chOff x="0" y="0"/>
+          <a:chExt cx="0" cy="0"/>
+        </a:xfrm>
+      </p:grpSpPr>
+      <p:sp>
+        <p:nvSpPr>
+          <p:cNvPr id="51" name="Google Shape;51;p2:notes"/>
+          <p:cNvSpPr txBox="1">
+            <a:spLocks noGrp="1"/>
+          </p:cNvSpPr>
+          <p:nvPr>
+            <p:ph type="body" idx="1"/>
+          </p:nvPr>
+        </p:nvSpPr>
+        <p:spPr>
+          <a:xfrm>
+            <a:off x="685800" y="4343400"/>
+            <a:ext cx="5486400" cy="4114800"/>
+          </a:xfrm>
+          <a:prstGeom prst="rect">
+            <a:avLst/>
+          </a:prstGeom>
+        </p:spPr>
+        <p:txBody>
+          <a:bodyPr spcFirstLastPara="1" wrap="square" lIns="91425" tIns="91425" rIns="91425" bIns="91425" anchor="t" anchorCtr="0">
+            <a:noAutofit/>
+          </a:bodyPr>
+          <a:lstStyle/>
+          <a:p>
+            <a:pPr marL="0" lvl="0" indent="0" algn="l" rtl="0">
+              <a:spcBef>
+                <a:spcPts val="0"/>
+              </a:spcBef>
+              <a:spcAft>
+                <a:spcPts val="0"/>
+              </a:spcAft>
+              <a:buNone/>
+            </a:pPr>
+            <a:endParaRPr/>
+          </a:p>
+        </p:txBody>
+      </p:sp>
+      <p:sp>
+        <p:nvSpPr>
+          <p:cNvPr id="52" name="Google Shape;52;p2:notes"/>
+          <p:cNvSpPr>
+            <a:spLocks noGrp="1" noRot="1" noChangeAspect="1"/>
+          </p:cNvSpPr>
+          <p:nvPr>
+            <p:ph type="sldImg" idx="2"/>
+          </p:nvPr>
+        </p:nvSpPr>
+        <p:spPr>
+          <a:xfrm>
+            <a:off x="381000" y="685800"/>
+            <a:ext cx="6096000" cy="3429000"/>
+          </a:xfrm>
+          <a:custGeom>
+            <a:avLst/>
+            <a:gdLst/>
+            <a:ahLst/>
+            <a:cxnLst/>
+            <a:rect l="l" t="t" r="r" b="b"/>
+            <a:pathLst>
+              <a:path w="120000" h="120000" extrusionOk="0">
+                <a:moveTo>
+                  <a:pt x="0" y="0"/>
+                </a:moveTo>
+                <a:lnTo>
+                  <a:pt x="120000" y="0"/>
+                </a:lnTo>
+                <a:lnTo>
+                  <a:pt x="120000" y="120000"/>
+                </a:lnTo>
+                <a:lnTo>
+                  <a:pt x="0" y="120000"/>
+                </a:lnTo>
+                <a:close/>
+              </a:path>
+            </a:pathLst>
+          </a:custGeom>
+        </p:spPr>
+      </p:sp>
+    </p:spTree>
+    <p:extLst>
+      <p:ext uri="{BB962C8B-B14F-4D97-AF65-F5344CB8AC3E}">
+        <p14:creationId xmlns:p14="http://schemas.microsoft.com/office/powerpoint/2010/main" val="47446327"/>
+      </p:ext>
+    </p:extLst>
+  </p:cSld>
+  <p:clrMapOvr>
+    <a:masterClrMapping/>
+  </p:clrMapOvr>
+</p:notes>
+</file>
+
+<file path=ppt/notesSlides/notesSlide13.xml><?xml version="1.0" encoding="utf-8"?>
+<p:notes xmlns:a="http://schemas.openxmlformats.org/drawingml/2006/main" xmlns:r="http://schemas.openxmlformats.org/officeDocument/2006/relationships" xmlns:p="http://schemas.openxmlformats.org/presentationml/2006/main" showMasterSp="0" showMasterPhAnim="0">
+  <p:cSld>
+    <p:spTree>
+      <p:nvGrpSpPr>
+        <p:cNvPr id="1" name="Shape 55"/>
+        <p:cNvGrpSpPr/>
+        <p:nvPr/>
+      </p:nvGrpSpPr>
+      <p:grpSpPr>
+        <a:xfrm>
+          <a:off x="0" y="0"/>
+          <a:ext cx="0" cy="0"/>
+          <a:chOff x="0" y="0"/>
+          <a:chExt cx="0" cy="0"/>
+        </a:xfrm>
+      </p:grpSpPr>
+      <p:sp>
+        <p:nvSpPr>
+          <p:cNvPr id="56" name="Google Shape;56;p3:notes"/>
+          <p:cNvSpPr txBox="1">
+            <a:spLocks noGrp="1"/>
+          </p:cNvSpPr>
+          <p:nvPr>
+            <p:ph type="body" idx="1"/>
+          </p:nvPr>
+        </p:nvSpPr>
+        <p:spPr>
+          <a:xfrm>
+            <a:off x="685800" y="4343400"/>
+            <a:ext cx="5486400" cy="4114800"/>
+          </a:xfrm>
+          <a:prstGeom prst="rect">
+            <a:avLst/>
+          </a:prstGeom>
+        </p:spPr>
+        <p:txBody>
+          <a:bodyPr spcFirstLastPara="1" wrap="square" lIns="91425" tIns="91425" rIns="91425" bIns="91425" anchor="t" anchorCtr="0">
+            <a:noAutofit/>
+          </a:bodyPr>
+          <a:lstStyle/>
+          <a:p>
+            <a:pPr marL="0" lvl="0" indent="0" algn="l" rtl="0">
+              <a:spcBef>
+                <a:spcPts val="0"/>
+              </a:spcBef>
+              <a:spcAft>
+                <a:spcPts val="0"/>
+              </a:spcAft>
+              <a:buNone/>
+            </a:pPr>
+            <a:endParaRPr/>
+          </a:p>
+        </p:txBody>
+      </p:sp>
+      <p:sp>
+        <p:nvSpPr>
+          <p:cNvPr id="57" name="Google Shape;57;p3:notes"/>
+          <p:cNvSpPr>
+            <a:spLocks noGrp="1" noRot="1" noChangeAspect="1"/>
+          </p:cNvSpPr>
+          <p:nvPr>
+            <p:ph type="sldImg" idx="2"/>
+          </p:nvPr>
+        </p:nvSpPr>
+        <p:spPr>
+          <a:xfrm>
+            <a:off x="381000" y="685800"/>
+            <a:ext cx="6096000" cy="3429000"/>
+          </a:xfrm>
+          <a:custGeom>
+            <a:avLst/>
+            <a:gdLst/>
+            <a:ahLst/>
+            <a:cxnLst/>
+            <a:rect l="l" t="t" r="r" b="b"/>
+            <a:pathLst>
+              <a:path w="120000" h="120000" extrusionOk="0">
+                <a:moveTo>
+                  <a:pt x="0" y="0"/>
+                </a:moveTo>
+                <a:lnTo>
+                  <a:pt x="120000" y="0"/>
+                </a:lnTo>
+                <a:lnTo>
+                  <a:pt x="120000" y="120000"/>
+                </a:lnTo>
+                <a:lnTo>
+                  <a:pt x="0" y="120000"/>
+                </a:lnTo>
+                <a:close/>
+              </a:path>
+            </a:pathLst>
+          </a:custGeom>
+        </p:spPr>
+      </p:sp>
+    </p:spTree>
+    <p:extLst>
+      <p:ext uri="{BB962C8B-B14F-4D97-AF65-F5344CB8AC3E}">
+        <p14:creationId xmlns:p14="http://schemas.microsoft.com/office/powerpoint/2010/main" val="1274034153"/>
+      </p:ext>
+    </p:extLst>
+  </p:cSld>
+  <p:clrMapOvr>
+    <a:masterClrMapping/>
+  </p:clrMapOvr>
+</p:notes>
+</file>
+
+<file path=ppt/notesSlides/notesSlide14.xml><?xml version="1.0" encoding="utf-8"?>
+<p:notes xmlns:a="http://schemas.openxmlformats.org/drawingml/2006/main" xmlns:r="http://schemas.openxmlformats.org/officeDocument/2006/relationships" xmlns:p="http://schemas.openxmlformats.org/presentationml/2006/main" showMasterSp="0" showMasterPhAnim="0">
+  <p:cSld>
+    <p:spTree>
+      <p:nvGrpSpPr>
+        <p:cNvPr id="1" name="Shape 55"/>
+        <p:cNvGrpSpPr/>
+        <p:nvPr/>
+      </p:nvGrpSpPr>
+      <p:grpSpPr>
+        <a:xfrm>
+          <a:off x="0" y="0"/>
+          <a:ext cx="0" cy="0"/>
+          <a:chOff x="0" y="0"/>
+          <a:chExt cx="0" cy="0"/>
+        </a:xfrm>
+      </p:grpSpPr>
+      <p:sp>
+        <p:nvSpPr>
+          <p:cNvPr id="56" name="Google Shape;56;p3:notes"/>
+          <p:cNvSpPr txBox="1">
+            <a:spLocks noGrp="1"/>
+          </p:cNvSpPr>
+          <p:nvPr>
+            <p:ph type="body" idx="1"/>
+          </p:nvPr>
+        </p:nvSpPr>
+        <p:spPr>
+          <a:xfrm>
+            <a:off x="685800" y="4343400"/>
+            <a:ext cx="5486400" cy="4114800"/>
+          </a:xfrm>
+          <a:prstGeom prst="rect">
+            <a:avLst/>
+          </a:prstGeom>
+        </p:spPr>
+        <p:txBody>
+          <a:bodyPr spcFirstLastPara="1" wrap="square" lIns="91425" tIns="91425" rIns="91425" bIns="91425" anchor="t" anchorCtr="0">
+            <a:noAutofit/>
+          </a:bodyPr>
+          <a:lstStyle/>
+          <a:p>
+            <a:pPr marL="0" lvl="0" indent="0" algn="l" rtl="0">
+              <a:spcBef>
+                <a:spcPts val="0"/>
+              </a:spcBef>
+              <a:spcAft>
+                <a:spcPts val="0"/>
+              </a:spcAft>
+              <a:buNone/>
+            </a:pPr>
+            <a:endParaRPr/>
+          </a:p>
+        </p:txBody>
+      </p:sp>
+      <p:sp>
+        <p:nvSpPr>
+          <p:cNvPr id="57" name="Google Shape;57;p3:notes"/>
+          <p:cNvSpPr>
+            <a:spLocks noGrp="1" noRot="1" noChangeAspect="1"/>
+          </p:cNvSpPr>
+          <p:nvPr>
+            <p:ph type="sldImg" idx="2"/>
+          </p:nvPr>
+        </p:nvSpPr>
+        <p:spPr>
+          <a:xfrm>
+            <a:off x="381000" y="685800"/>
+            <a:ext cx="6096000" cy="3429000"/>
+          </a:xfrm>
+          <a:custGeom>
+            <a:avLst/>
+            <a:gdLst/>
+            <a:ahLst/>
+            <a:cxnLst/>
+            <a:rect l="l" t="t" r="r" b="b"/>
+            <a:pathLst>
+              <a:path w="120000" h="120000" extrusionOk="0">
+                <a:moveTo>
+                  <a:pt x="0" y="0"/>
+                </a:moveTo>
+                <a:lnTo>
+                  <a:pt x="120000" y="0"/>
+                </a:lnTo>
+                <a:lnTo>
+                  <a:pt x="120000" y="120000"/>
+                </a:lnTo>
+                <a:lnTo>
+                  <a:pt x="0" y="120000"/>
+                </a:lnTo>
+                <a:close/>
+              </a:path>
+            </a:pathLst>
+          </a:custGeom>
+        </p:spPr>
+      </p:sp>
+    </p:spTree>
+    <p:extLst>
+      <p:ext uri="{BB962C8B-B14F-4D97-AF65-F5344CB8AC3E}">
+        <p14:creationId xmlns:p14="http://schemas.microsoft.com/office/powerpoint/2010/main" val="1856611054"/>
+      </p:ext>
+    </p:extLst>
+  </p:cSld>
+  <p:clrMapOvr>
+    <a:masterClrMapping/>
+  </p:clrMapOvr>
+</p:notes>
+</file>
+
+<file path=ppt/notesSlides/notesSlide15.xml><?xml version="1.0" encoding="utf-8"?>
+<p:notes xmlns:a="http://schemas.openxmlformats.org/drawingml/2006/main" xmlns:r="http://schemas.openxmlformats.org/officeDocument/2006/relationships" xmlns:p="http://schemas.openxmlformats.org/presentationml/2006/main" showMasterSp="0" showMasterPhAnim="0">
+  <p:cSld>
+    <p:spTree>
+      <p:nvGrpSpPr>
+        <p:cNvPr id="1" name="Shape 50"/>
+        <p:cNvGrpSpPr/>
+        <p:nvPr/>
+      </p:nvGrpSpPr>
+      <p:grpSpPr>
+        <a:xfrm>
+          <a:off x="0" y="0"/>
+          <a:ext cx="0" cy="0"/>
+          <a:chOff x="0" y="0"/>
+          <a:chExt cx="0" cy="0"/>
+        </a:xfrm>
+      </p:grpSpPr>
+      <p:sp>
+        <p:nvSpPr>
+          <p:cNvPr id="51" name="Google Shape;51;p2:notes"/>
+          <p:cNvSpPr txBox="1">
+            <a:spLocks noGrp="1"/>
+          </p:cNvSpPr>
+          <p:nvPr>
+            <p:ph type="body" idx="1"/>
+          </p:nvPr>
+        </p:nvSpPr>
+        <p:spPr>
+          <a:xfrm>
+            <a:off x="685800" y="4343400"/>
+            <a:ext cx="5486400" cy="4114800"/>
+          </a:xfrm>
+          <a:prstGeom prst="rect">
+            <a:avLst/>
+          </a:prstGeom>
+        </p:spPr>
+        <p:txBody>
+          <a:bodyPr spcFirstLastPara="1" wrap="square" lIns="91425" tIns="91425" rIns="91425" bIns="91425" anchor="t" anchorCtr="0">
+            <a:noAutofit/>
+          </a:bodyPr>
+          <a:lstStyle/>
+          <a:p>
+            <a:pPr marL="0" lvl="0" indent="0" algn="l" rtl="0">
+              <a:spcBef>
+                <a:spcPts val="0"/>
+              </a:spcBef>
+              <a:spcAft>
+                <a:spcPts val="0"/>
+              </a:spcAft>
+              <a:buNone/>
+            </a:pPr>
+            <a:endParaRPr/>
+          </a:p>
+        </p:txBody>
+      </p:sp>
+      <p:sp>
+        <p:nvSpPr>
+          <p:cNvPr id="52" name="Google Shape;52;p2:notes"/>
+          <p:cNvSpPr>
+            <a:spLocks noGrp="1" noRot="1" noChangeAspect="1"/>
+          </p:cNvSpPr>
+          <p:nvPr>
+            <p:ph type="sldImg" idx="2"/>
+          </p:nvPr>
+        </p:nvSpPr>
+        <p:spPr>
+          <a:xfrm>
+            <a:off x="381000" y="685800"/>
+            <a:ext cx="6096000" cy="3429000"/>
+          </a:xfrm>
+          <a:custGeom>
+            <a:avLst/>
+            <a:gdLst/>
+            <a:ahLst/>
+            <a:cxnLst/>
+            <a:rect l="l" t="t" r="r" b="b"/>
+            <a:pathLst>
+              <a:path w="120000" h="120000" extrusionOk="0">
+                <a:moveTo>
+                  <a:pt x="0" y="0"/>
+                </a:moveTo>
+                <a:lnTo>
+                  <a:pt x="120000" y="0"/>
+                </a:lnTo>
+                <a:lnTo>
+                  <a:pt x="120000" y="120000"/>
+                </a:lnTo>
+                <a:lnTo>
+                  <a:pt x="0" y="120000"/>
+                </a:lnTo>
+                <a:close/>
+              </a:path>
+            </a:pathLst>
+          </a:custGeom>
+        </p:spPr>
+      </p:sp>
+    </p:spTree>
+    <p:extLst>
+      <p:ext uri="{BB962C8B-B14F-4D97-AF65-F5344CB8AC3E}">
+        <p14:creationId xmlns:p14="http://schemas.microsoft.com/office/powerpoint/2010/main" val="1298137923"/>
+      </p:ext>
+    </p:extLst>
+  </p:cSld>
+  <p:clrMapOvr>
+    <a:masterClrMapping/>
+  </p:clrMapOvr>
+</p:notes>
+</file>
+
+<file path=ppt/notesSlides/notesSlide16.xml><?xml version="1.0" encoding="utf-8"?>
+<p:notes xmlns:a="http://schemas.openxmlformats.org/drawingml/2006/main" xmlns:r="http://schemas.openxmlformats.org/officeDocument/2006/relationships" xmlns:p="http://schemas.openxmlformats.org/presentationml/2006/main" showMasterSp="0" showMasterPhAnim="0">
+  <p:cSld>
+    <p:spTree>
+      <p:nvGrpSpPr>
+        <p:cNvPr id="1" name="Shape 55"/>
+        <p:cNvGrpSpPr/>
+        <p:nvPr/>
+      </p:nvGrpSpPr>
+      <p:grpSpPr>
+        <a:xfrm>
+          <a:off x="0" y="0"/>
+          <a:ext cx="0" cy="0"/>
+          <a:chOff x="0" y="0"/>
+          <a:chExt cx="0" cy="0"/>
+        </a:xfrm>
+      </p:grpSpPr>
+      <p:sp>
+        <p:nvSpPr>
+          <p:cNvPr id="56" name="Google Shape;56;p3:notes"/>
+          <p:cNvSpPr txBox="1">
+            <a:spLocks noGrp="1"/>
+          </p:cNvSpPr>
+          <p:nvPr>
+            <p:ph type="body" idx="1"/>
+          </p:nvPr>
+        </p:nvSpPr>
+        <p:spPr>
+          <a:xfrm>
+            <a:off x="685800" y="4343400"/>
+            <a:ext cx="5486400" cy="4114800"/>
+          </a:xfrm>
+          <a:prstGeom prst="rect">
+            <a:avLst/>
+          </a:prstGeom>
+        </p:spPr>
+        <p:txBody>
+          <a:bodyPr spcFirstLastPara="1" wrap="square" lIns="91425" tIns="91425" rIns="91425" bIns="91425" anchor="t" anchorCtr="0">
+            <a:noAutofit/>
+          </a:bodyPr>
+          <a:lstStyle/>
+          <a:p>
+            <a:pPr marL="0" lvl="0" indent="0" algn="l" rtl="0">
+              <a:spcBef>
+                <a:spcPts val="0"/>
+              </a:spcBef>
+              <a:spcAft>
+                <a:spcPts val="0"/>
+              </a:spcAft>
+              <a:buNone/>
+            </a:pPr>
+            <a:endParaRPr/>
+          </a:p>
+        </p:txBody>
+      </p:sp>
+      <p:sp>
+        <p:nvSpPr>
+          <p:cNvPr id="57" name="Google Shape;57;p3:notes"/>
+          <p:cNvSpPr>
+            <a:spLocks noGrp="1" noRot="1" noChangeAspect="1"/>
+          </p:cNvSpPr>
+          <p:nvPr>
+            <p:ph type="sldImg" idx="2"/>
+          </p:nvPr>
+        </p:nvSpPr>
+        <p:spPr>
+          <a:xfrm>
+            <a:off x="381000" y="685800"/>
+            <a:ext cx="6096000" cy="3429000"/>
+          </a:xfrm>
+          <a:custGeom>
+            <a:avLst/>
+            <a:gdLst/>
+            <a:ahLst/>
+            <a:cxnLst/>
+            <a:rect l="l" t="t" r="r" b="b"/>
+            <a:pathLst>
+              <a:path w="120000" h="120000" extrusionOk="0">
+                <a:moveTo>
+                  <a:pt x="0" y="0"/>
+                </a:moveTo>
+                <a:lnTo>
+                  <a:pt x="120000" y="0"/>
+                </a:lnTo>
+                <a:lnTo>
+                  <a:pt x="120000" y="120000"/>
+                </a:lnTo>
+                <a:lnTo>
+                  <a:pt x="0" y="120000"/>
+                </a:lnTo>
+                <a:close/>
+              </a:path>
+            </a:pathLst>
+          </a:custGeom>
+        </p:spPr>
+      </p:sp>
+    </p:spTree>
+    <p:extLst>
+      <p:ext uri="{BB962C8B-B14F-4D97-AF65-F5344CB8AC3E}">
+        <p14:creationId xmlns:p14="http://schemas.microsoft.com/office/powerpoint/2010/main" val="1383573125"/>
+      </p:ext>
+    </p:extLst>
+  </p:cSld>
+  <p:clrMapOvr>
+    <a:masterClrMapping/>
+  </p:clrMapOvr>
+</p:notes>
+</file>
+
+<file path=ppt/notesSlides/notesSlide17.xml><?xml version="1.0" encoding="utf-8"?>
+<p:notes xmlns:a="http://schemas.openxmlformats.org/drawingml/2006/main" xmlns:r="http://schemas.openxmlformats.org/officeDocument/2006/relationships" xmlns:p="http://schemas.openxmlformats.org/presentationml/2006/main" showMasterSp="0" showMasterPhAnim="0">
+  <p:cSld>
+    <p:spTree>
+      <p:nvGrpSpPr>
+        <p:cNvPr id="1" name="Shape 50"/>
+        <p:cNvGrpSpPr/>
+        <p:nvPr/>
+      </p:nvGrpSpPr>
+      <p:grpSpPr>
+        <a:xfrm>
+          <a:off x="0" y="0"/>
+          <a:ext cx="0" cy="0"/>
+          <a:chOff x="0" y="0"/>
+          <a:chExt cx="0" cy="0"/>
+        </a:xfrm>
+      </p:grpSpPr>
+      <p:sp>
+        <p:nvSpPr>
+          <p:cNvPr id="51" name="Google Shape;51;p2:notes"/>
+          <p:cNvSpPr txBox="1">
+            <a:spLocks noGrp="1"/>
+          </p:cNvSpPr>
+          <p:nvPr>
+            <p:ph type="body" idx="1"/>
+          </p:nvPr>
+        </p:nvSpPr>
+        <p:spPr>
+          <a:xfrm>
+            <a:off x="685800" y="4343400"/>
+            <a:ext cx="5486400" cy="4114800"/>
+          </a:xfrm>
+          <a:prstGeom prst="rect">
+            <a:avLst/>
+          </a:prstGeom>
+        </p:spPr>
+        <p:txBody>
+          <a:bodyPr spcFirstLastPara="1" wrap="square" lIns="91425" tIns="91425" rIns="91425" bIns="91425" anchor="t" anchorCtr="0">
+            <a:noAutofit/>
+          </a:bodyPr>
+          <a:lstStyle/>
+          <a:p>
+            <a:pPr marL="0" lvl="0" indent="0" algn="l" rtl="0">
+              <a:spcBef>
+                <a:spcPts val="0"/>
+              </a:spcBef>
+              <a:spcAft>
+                <a:spcPts val="0"/>
+              </a:spcAft>
+              <a:buNone/>
+            </a:pPr>
+            <a:endParaRPr/>
+          </a:p>
+        </p:txBody>
+      </p:sp>
+      <p:sp>
+        <p:nvSpPr>
+          <p:cNvPr id="52" name="Google Shape;52;p2:notes"/>
+          <p:cNvSpPr>
+            <a:spLocks noGrp="1" noRot="1" noChangeAspect="1"/>
+          </p:cNvSpPr>
+          <p:nvPr>
+            <p:ph type="sldImg" idx="2"/>
+          </p:nvPr>
+        </p:nvSpPr>
+        <p:spPr>
+          <a:xfrm>
+            <a:off x="381000" y="685800"/>
+            <a:ext cx="6096000" cy="3429000"/>
+          </a:xfrm>
+          <a:custGeom>
+            <a:avLst/>
+            <a:gdLst/>
+            <a:ahLst/>
+            <a:cxnLst/>
+            <a:rect l="l" t="t" r="r" b="b"/>
+            <a:pathLst>
+              <a:path w="120000" h="120000" extrusionOk="0">
+                <a:moveTo>
+                  <a:pt x="0" y="0"/>
+                </a:moveTo>
+                <a:lnTo>
+                  <a:pt x="120000" y="0"/>
+                </a:lnTo>
+                <a:lnTo>
+                  <a:pt x="120000" y="120000"/>
+                </a:lnTo>
+                <a:lnTo>
+                  <a:pt x="0" y="120000"/>
+                </a:lnTo>
+                <a:close/>
+              </a:path>
+            </a:pathLst>
+          </a:custGeom>
+        </p:spPr>
+      </p:sp>
+    </p:spTree>
+    <p:extLst>
+      <p:ext uri="{BB962C8B-B14F-4D97-AF65-F5344CB8AC3E}">
+        <p14:creationId xmlns:p14="http://schemas.microsoft.com/office/powerpoint/2010/main" val="1606182419"/>
+      </p:ext>
+    </p:extLst>
+  </p:cSld>
+  <p:clrMapOvr>
+    <a:masterClrMapping/>
+  </p:clrMapOvr>
+</p:notes>
+</file>
+
+<file path=ppt/notesSlides/notesSlide18.xml><?xml version="1.0" encoding="utf-8"?>
+<p:notes xmlns:a="http://schemas.openxmlformats.org/drawingml/2006/main" xmlns:r="http://schemas.openxmlformats.org/officeDocument/2006/relationships" xmlns:p="http://schemas.openxmlformats.org/presentationml/2006/main" showMasterSp="0" showMasterPhAnim="0">
+  <p:cSld>
+    <p:spTree>
+      <p:nvGrpSpPr>
+        <p:cNvPr id="1" name="Shape 55"/>
+        <p:cNvGrpSpPr/>
+        <p:nvPr/>
+      </p:nvGrpSpPr>
+      <p:grpSpPr>
+        <a:xfrm>
+          <a:off x="0" y="0"/>
+          <a:ext cx="0" cy="0"/>
+          <a:chOff x="0" y="0"/>
+          <a:chExt cx="0" cy="0"/>
+        </a:xfrm>
+      </p:grpSpPr>
+      <p:sp>
+        <p:nvSpPr>
+          <p:cNvPr id="56" name="Google Shape;56;p3:notes"/>
+          <p:cNvSpPr txBox="1">
+            <a:spLocks noGrp="1"/>
+          </p:cNvSpPr>
+          <p:nvPr>
+            <p:ph type="body" idx="1"/>
+          </p:nvPr>
+        </p:nvSpPr>
+        <p:spPr>
+          <a:xfrm>
+            <a:off x="685800" y="4343400"/>
+            <a:ext cx="5486400" cy="4114800"/>
+          </a:xfrm>
+          <a:prstGeom prst="rect">
+            <a:avLst/>
+          </a:prstGeom>
+        </p:spPr>
+        <p:txBody>
+          <a:bodyPr spcFirstLastPara="1" wrap="square" lIns="91425" tIns="91425" rIns="91425" bIns="91425" anchor="t" anchorCtr="0">
+            <a:noAutofit/>
+          </a:bodyPr>
+          <a:lstStyle/>
+          <a:p>
+            <a:pPr marL="0" lvl="0" indent="0" algn="l" rtl="0">
+              <a:spcBef>
+                <a:spcPts val="0"/>
+              </a:spcBef>
+              <a:spcAft>
+                <a:spcPts val="0"/>
+              </a:spcAft>
+              <a:buNone/>
+            </a:pPr>
+            <a:endParaRPr/>
+          </a:p>
+        </p:txBody>
+      </p:sp>
+      <p:sp>
+        <p:nvSpPr>
+          <p:cNvPr id="57" name="Google Shape;57;p3:notes"/>
+          <p:cNvSpPr>
+            <a:spLocks noGrp="1" noRot="1" noChangeAspect="1"/>
+          </p:cNvSpPr>
+          <p:nvPr>
+            <p:ph type="sldImg" idx="2"/>
+          </p:nvPr>
+        </p:nvSpPr>
+        <p:spPr>
+          <a:xfrm>
+            <a:off x="381000" y="685800"/>
+            <a:ext cx="6096000" cy="3429000"/>
+          </a:xfrm>
+          <a:custGeom>
+            <a:avLst/>
+            <a:gdLst/>
+            <a:ahLst/>
+            <a:cxnLst/>
+            <a:rect l="l" t="t" r="r" b="b"/>
+            <a:pathLst>
+              <a:path w="120000" h="120000" extrusionOk="0">
+                <a:moveTo>
+                  <a:pt x="0" y="0"/>
+                </a:moveTo>
+                <a:lnTo>
+                  <a:pt x="120000" y="0"/>
+                </a:lnTo>
+                <a:lnTo>
+                  <a:pt x="120000" y="120000"/>
+                </a:lnTo>
+                <a:lnTo>
+                  <a:pt x="0" y="120000"/>
+                </a:lnTo>
+                <a:close/>
+              </a:path>
+            </a:pathLst>
+          </a:custGeom>
+        </p:spPr>
+      </p:sp>
+    </p:spTree>
+    <p:extLst>
+      <p:ext uri="{BB962C8B-B14F-4D97-AF65-F5344CB8AC3E}">
+        <p14:creationId xmlns:p14="http://schemas.microsoft.com/office/powerpoint/2010/main" val="2505219870"/>
+      </p:ext>
+    </p:extLst>
+  </p:cSld>
+  <p:clrMapOvr>
+    <a:masterClrMapping/>
+  </p:clrMapOvr>
+</p:notes>
+</file>
+
 <file path=ppt/notesSlides/notesSlide2.xml><?xml version="1.0" encoding="utf-8"?>
 <p:notes xmlns:a="http://schemas.openxmlformats.org/drawingml/2006/main" xmlns:r="http://schemas.openxmlformats.org/officeDocument/2006/relationships" xmlns:p="http://schemas.openxmlformats.org/presentationml/2006/main" showMasterSp="0" showMasterPhAnim="0">
   <p:cSld>
@@ -1216,7 +2211,7 @@
     </p:spTree>
     <p:extLst>
       <p:ext uri="{BB962C8B-B14F-4D97-AF65-F5344CB8AC3E}">
-        <p14:creationId xmlns:p14="http://schemas.microsoft.com/office/powerpoint/2010/main" val="2966252486"/>
+        <p14:creationId xmlns:p14="http://schemas.microsoft.com/office/powerpoint/2010/main" val="687629416"/>
       </p:ext>
     </p:extLst>
   </p:cSld>
@@ -1231,7 +2226,7 @@
   <p:cSld>
     <p:spTree>
       <p:nvGrpSpPr>
-        <p:cNvPr id="1" name="Shape 50"/>
+        <p:cNvPr id="1" name="Shape 55"/>
         <p:cNvGrpSpPr/>
         <p:nvPr/>
       </p:nvGrpSpPr>
@@ -1245,7 +2240,7 @@
       </p:grpSpPr>
       <p:sp>
         <p:nvSpPr>
-          <p:cNvPr id="51" name="Google Shape;51;p2:notes"/>
+          <p:cNvPr id="56" name="Google Shape;56;p3:notes"/>
           <p:cNvSpPr txBox="1">
             <a:spLocks noGrp="1"/>
           </p:cNvSpPr>
@@ -1283,7 +2278,7 @@
       </p:sp>
       <p:sp>
         <p:nvSpPr>
-          <p:cNvPr id="52" name="Google Shape;52;p2:notes"/>
+          <p:cNvPr id="57" name="Google Shape;57;p3:notes"/>
           <p:cNvSpPr>
             <a:spLocks noGrp="1" noRot="1" noChangeAspect="1"/>
           </p:cNvSpPr>
@@ -1293,8 +2288,8 @@
         </p:nvSpPr>
         <p:spPr>
           <a:xfrm>
-            <a:off x="1143225" y="685800"/>
-            <a:ext cx="4572225" cy="3429000"/>
+            <a:off x="381000" y="685800"/>
+            <a:ext cx="6096000" cy="3429000"/>
           </a:xfrm>
           <a:custGeom>
             <a:avLst/>
@@ -1325,7 +2320,7 @@
     </p:spTree>
     <p:extLst>
       <p:ext uri="{BB962C8B-B14F-4D97-AF65-F5344CB8AC3E}">
-        <p14:creationId xmlns:p14="http://schemas.microsoft.com/office/powerpoint/2010/main" val="47446327"/>
+        <p14:creationId xmlns:p14="http://schemas.microsoft.com/office/powerpoint/2010/main" val="629085986"/>
       </p:ext>
     </p:extLst>
   </p:cSld>
@@ -1340,7 +2335,7 @@
   <p:cSld>
     <p:spTree>
       <p:nvGrpSpPr>
-        <p:cNvPr id="1" name="Shape 61"/>
+        <p:cNvPr id="1" name="Shape 55"/>
         <p:cNvGrpSpPr/>
         <p:nvPr/>
       </p:nvGrpSpPr>
@@ -1354,7 +2349,7 @@
       </p:grpSpPr>
       <p:sp>
         <p:nvSpPr>
-          <p:cNvPr id="62" name="Google Shape;62;p4:notes"/>
+          <p:cNvPr id="56" name="Google Shape;56;p3:notes"/>
           <p:cNvSpPr txBox="1">
             <a:spLocks noGrp="1"/>
           </p:cNvSpPr>
@@ -1392,7 +2387,7 @@
       </p:sp>
       <p:sp>
         <p:nvSpPr>
-          <p:cNvPr id="63" name="Google Shape;63;p4:notes"/>
+          <p:cNvPr id="57" name="Google Shape;57;p3:notes"/>
           <p:cNvSpPr>
             <a:spLocks noGrp="1" noRot="1" noChangeAspect="1"/>
           </p:cNvSpPr>
@@ -1402,8 +2397,8 @@
         </p:nvSpPr>
         <p:spPr>
           <a:xfrm>
-            <a:off x="1143225" y="685800"/>
-            <a:ext cx="4572225" cy="3429000"/>
+            <a:off x="381000" y="685800"/>
+            <a:ext cx="6096000" cy="3429000"/>
           </a:xfrm>
           <a:custGeom>
             <a:avLst/>
@@ -1432,6 +2427,229 @@
         </p:spPr>
       </p:sp>
     </p:spTree>
+    <p:extLst>
+      <p:ext uri="{BB962C8B-B14F-4D97-AF65-F5344CB8AC3E}">
+        <p14:creationId xmlns:p14="http://schemas.microsoft.com/office/powerpoint/2010/main" val="1708401238"/>
+      </p:ext>
+    </p:extLst>
+  </p:cSld>
+  <p:clrMapOvr>
+    <a:masterClrMapping/>
+  </p:clrMapOvr>
+</p:notes>
+</file>
+
+<file path=ppt/notesSlides/notesSlide8.xml><?xml version="1.0" encoding="utf-8"?>
+<p:notes xmlns:a="http://schemas.openxmlformats.org/drawingml/2006/main" xmlns:r="http://schemas.openxmlformats.org/officeDocument/2006/relationships" xmlns:p="http://schemas.openxmlformats.org/presentationml/2006/main" showMasterSp="0" showMasterPhAnim="0">
+  <p:cSld>
+    <p:spTree>
+      <p:nvGrpSpPr>
+        <p:cNvPr id="1" name="Shape 55"/>
+        <p:cNvGrpSpPr/>
+        <p:nvPr/>
+      </p:nvGrpSpPr>
+      <p:grpSpPr>
+        <a:xfrm>
+          <a:off x="0" y="0"/>
+          <a:ext cx="0" cy="0"/>
+          <a:chOff x="0" y="0"/>
+          <a:chExt cx="0" cy="0"/>
+        </a:xfrm>
+      </p:grpSpPr>
+      <p:sp>
+        <p:nvSpPr>
+          <p:cNvPr id="56" name="Google Shape;56;p3:notes"/>
+          <p:cNvSpPr txBox="1">
+            <a:spLocks noGrp="1"/>
+          </p:cNvSpPr>
+          <p:nvPr>
+            <p:ph type="body" idx="1"/>
+          </p:nvPr>
+        </p:nvSpPr>
+        <p:spPr>
+          <a:xfrm>
+            <a:off x="685800" y="4343400"/>
+            <a:ext cx="5486400" cy="4114800"/>
+          </a:xfrm>
+          <a:prstGeom prst="rect">
+            <a:avLst/>
+          </a:prstGeom>
+        </p:spPr>
+        <p:txBody>
+          <a:bodyPr spcFirstLastPara="1" wrap="square" lIns="91425" tIns="91425" rIns="91425" bIns="91425" anchor="t" anchorCtr="0">
+            <a:noAutofit/>
+          </a:bodyPr>
+          <a:lstStyle/>
+          <a:p>
+            <a:pPr marL="0" lvl="0" indent="0" algn="l" rtl="0">
+              <a:spcBef>
+                <a:spcPts val="0"/>
+              </a:spcBef>
+              <a:spcAft>
+                <a:spcPts val="0"/>
+              </a:spcAft>
+              <a:buNone/>
+            </a:pPr>
+            <a:endParaRPr/>
+          </a:p>
+        </p:txBody>
+      </p:sp>
+      <p:sp>
+        <p:nvSpPr>
+          <p:cNvPr id="57" name="Google Shape;57;p3:notes"/>
+          <p:cNvSpPr>
+            <a:spLocks noGrp="1" noRot="1" noChangeAspect="1"/>
+          </p:cNvSpPr>
+          <p:nvPr>
+            <p:ph type="sldImg" idx="2"/>
+          </p:nvPr>
+        </p:nvSpPr>
+        <p:spPr>
+          <a:xfrm>
+            <a:off x="381000" y="685800"/>
+            <a:ext cx="6096000" cy="3429000"/>
+          </a:xfrm>
+          <a:custGeom>
+            <a:avLst/>
+            <a:gdLst/>
+            <a:ahLst/>
+            <a:cxnLst/>
+            <a:rect l="l" t="t" r="r" b="b"/>
+            <a:pathLst>
+              <a:path w="120000" h="120000" extrusionOk="0">
+                <a:moveTo>
+                  <a:pt x="0" y="0"/>
+                </a:moveTo>
+                <a:lnTo>
+                  <a:pt x="120000" y="0"/>
+                </a:lnTo>
+                <a:lnTo>
+                  <a:pt x="120000" y="120000"/>
+                </a:lnTo>
+                <a:lnTo>
+                  <a:pt x="0" y="120000"/>
+                </a:lnTo>
+                <a:close/>
+              </a:path>
+            </a:pathLst>
+          </a:custGeom>
+        </p:spPr>
+      </p:sp>
+    </p:spTree>
+    <p:extLst>
+      <p:ext uri="{BB962C8B-B14F-4D97-AF65-F5344CB8AC3E}">
+        <p14:creationId xmlns:p14="http://schemas.microsoft.com/office/powerpoint/2010/main" val="4270567430"/>
+      </p:ext>
+    </p:extLst>
+  </p:cSld>
+  <p:clrMapOvr>
+    <a:masterClrMapping/>
+  </p:clrMapOvr>
+</p:notes>
+</file>
+
+<file path=ppt/notesSlides/notesSlide9.xml><?xml version="1.0" encoding="utf-8"?>
+<p:notes xmlns:a="http://schemas.openxmlformats.org/drawingml/2006/main" xmlns:r="http://schemas.openxmlformats.org/officeDocument/2006/relationships" xmlns:p="http://schemas.openxmlformats.org/presentationml/2006/main" showMasterSp="0" showMasterPhAnim="0">
+  <p:cSld>
+    <p:spTree>
+      <p:nvGrpSpPr>
+        <p:cNvPr id="1" name="Shape 55"/>
+        <p:cNvGrpSpPr/>
+        <p:nvPr/>
+      </p:nvGrpSpPr>
+      <p:grpSpPr>
+        <a:xfrm>
+          <a:off x="0" y="0"/>
+          <a:ext cx="0" cy="0"/>
+          <a:chOff x="0" y="0"/>
+          <a:chExt cx="0" cy="0"/>
+        </a:xfrm>
+      </p:grpSpPr>
+      <p:sp>
+        <p:nvSpPr>
+          <p:cNvPr id="56" name="Google Shape;56;p3:notes"/>
+          <p:cNvSpPr txBox="1">
+            <a:spLocks noGrp="1"/>
+          </p:cNvSpPr>
+          <p:nvPr>
+            <p:ph type="body" idx="1"/>
+          </p:nvPr>
+        </p:nvSpPr>
+        <p:spPr>
+          <a:xfrm>
+            <a:off x="685800" y="4343400"/>
+            <a:ext cx="5486400" cy="4114800"/>
+          </a:xfrm>
+          <a:prstGeom prst="rect">
+            <a:avLst/>
+          </a:prstGeom>
+        </p:spPr>
+        <p:txBody>
+          <a:bodyPr spcFirstLastPara="1" wrap="square" lIns="91425" tIns="91425" rIns="91425" bIns="91425" anchor="t" anchorCtr="0">
+            <a:noAutofit/>
+          </a:bodyPr>
+          <a:lstStyle/>
+          <a:p>
+            <a:pPr marL="0" lvl="0" indent="0" algn="l" rtl="0">
+              <a:spcBef>
+                <a:spcPts val="0"/>
+              </a:spcBef>
+              <a:spcAft>
+                <a:spcPts val="0"/>
+              </a:spcAft>
+              <a:buNone/>
+            </a:pPr>
+            <a:endParaRPr/>
+          </a:p>
+        </p:txBody>
+      </p:sp>
+      <p:sp>
+        <p:nvSpPr>
+          <p:cNvPr id="57" name="Google Shape;57;p3:notes"/>
+          <p:cNvSpPr>
+            <a:spLocks noGrp="1" noRot="1" noChangeAspect="1"/>
+          </p:cNvSpPr>
+          <p:nvPr>
+            <p:ph type="sldImg" idx="2"/>
+          </p:nvPr>
+        </p:nvSpPr>
+        <p:spPr>
+          <a:xfrm>
+            <a:off x="381000" y="685800"/>
+            <a:ext cx="6096000" cy="3429000"/>
+          </a:xfrm>
+          <a:custGeom>
+            <a:avLst/>
+            <a:gdLst/>
+            <a:ahLst/>
+            <a:cxnLst/>
+            <a:rect l="l" t="t" r="r" b="b"/>
+            <a:pathLst>
+              <a:path w="120000" h="120000" extrusionOk="0">
+                <a:moveTo>
+                  <a:pt x="0" y="0"/>
+                </a:moveTo>
+                <a:lnTo>
+                  <a:pt x="120000" y="0"/>
+                </a:lnTo>
+                <a:lnTo>
+                  <a:pt x="120000" y="120000"/>
+                </a:lnTo>
+                <a:lnTo>
+                  <a:pt x="0" y="120000"/>
+                </a:lnTo>
+                <a:close/>
+              </a:path>
+            </a:pathLst>
+          </a:custGeom>
+        </p:spPr>
+      </p:sp>
+    </p:spTree>
+    <p:extLst>
+      <p:ext uri="{BB962C8B-B14F-4D97-AF65-F5344CB8AC3E}">
+        <p14:creationId xmlns:p14="http://schemas.microsoft.com/office/powerpoint/2010/main" val="2158345915"/>
+      </p:ext>
+    </p:extLst>
   </p:cSld>
   <p:clrMapOvr>
     <a:masterClrMapping/>
@@ -3569,31 +4787,6 @@
 </p:sldLayout>
 </file>
 
-<file path=ppt/slideLayouts/slideLayout4.xml><?xml version="1.0" encoding="utf-8"?>
-<p:sldLayout xmlns:a="http://schemas.openxmlformats.org/drawingml/2006/main" xmlns:r="http://schemas.openxmlformats.org/officeDocument/2006/relationships" xmlns:p="http://schemas.openxmlformats.org/presentationml/2006/main" matchingName="1_사용자 지정 레이아웃">
-  <p:cSld name="1_사용자 지정 레이아웃">
-    <p:spTree>
-      <p:nvGrpSpPr>
-        <p:cNvPr id="1" name="Shape 41"/>
-        <p:cNvGrpSpPr/>
-        <p:nvPr/>
-      </p:nvGrpSpPr>
-      <p:grpSpPr>
-        <a:xfrm>
-          <a:off x="0" y="0"/>
-          <a:ext cx="0" cy="0"/>
-          <a:chOff x="0" y="0"/>
-          <a:chExt cx="0" cy="0"/>
-        </a:xfrm>
-      </p:grpSpPr>
-    </p:spTree>
-  </p:cSld>
-  <p:clrMapOvr>
-    <a:masterClrMapping/>
-  </p:clrMapOvr>
-</p:sldLayout>
-</file>
-
 <file path=ppt/slideMasters/slideMaster1.xml><?xml version="1.0" encoding="utf-8"?>
 <p:sldMaster xmlns:a="http://schemas.openxmlformats.org/drawingml/2006/main" xmlns:r="http://schemas.openxmlformats.org/officeDocument/2006/relationships" xmlns:p="http://schemas.openxmlformats.org/presentationml/2006/main">
   <p:cSld>
@@ -4634,7 +5827,6 @@
     <p:sldLayoutId id="2147483649" r:id="rId1"/>
     <p:sldLayoutId id="2147483650" r:id="rId2"/>
     <p:sldLayoutId id="2147483651" r:id="rId3"/>
-    <p:sldLayoutId id="2147483652" r:id="rId4"/>
   </p:sldLayoutIdLst>
   <p:hf sldNum="0" hdr="0" ftr="0" dt="0"/>
   <p:txStyles>
@@ -5566,6 +6758,703 @@
 </p:sld>
 </file>
 
+<file path=ppt/slides/slide10.xml><?xml version="1.0" encoding="utf-8"?>
+<p:sld xmlns:a="http://schemas.openxmlformats.org/drawingml/2006/main" xmlns:r="http://schemas.openxmlformats.org/officeDocument/2006/relationships" xmlns:p="http://schemas.openxmlformats.org/presentationml/2006/main">
+  <p:cSld>
+    <p:spTree>
+      <p:nvGrpSpPr>
+        <p:cNvPr id="1" name="Shape 58"/>
+        <p:cNvGrpSpPr/>
+        <p:nvPr/>
+      </p:nvGrpSpPr>
+      <p:grpSpPr>
+        <a:xfrm>
+          <a:off x="0" y="0"/>
+          <a:ext cx="0" cy="0"/>
+          <a:chOff x="0" y="0"/>
+          <a:chExt cx="0" cy="0"/>
+        </a:xfrm>
+      </p:grpSpPr>
+      <p:sp>
+        <p:nvSpPr>
+          <p:cNvPr id="59" name="Google Shape;59;p3"/>
+          <p:cNvSpPr txBox="1">
+            <a:spLocks noGrp="1"/>
+          </p:cNvSpPr>
+          <p:nvPr>
+            <p:ph type="title"/>
+          </p:nvPr>
+        </p:nvSpPr>
+        <p:spPr>
+          <a:xfrm>
+            <a:off x="605980" y="310143"/>
+            <a:ext cx="10515600" cy="649800"/>
+          </a:xfrm>
+          <a:prstGeom prst="rect">
+            <a:avLst/>
+          </a:prstGeom>
+          <a:noFill/>
+          <a:ln>
+            <a:noFill/>
+          </a:ln>
+        </p:spPr>
+        <p:txBody>
+          <a:bodyPr spcFirstLastPara="1" wrap="square" lIns="91425" tIns="45700" rIns="91425" bIns="45700" anchor="ctr" anchorCtr="0">
+            <a:normAutofit fontScale="90000"/>
+          </a:bodyPr>
+          <a:lstStyle/>
+          <a:p>
+            <a:pPr>
+              <a:buSzPts val="4400"/>
+            </a:pPr>
+            <a:r>
+              <a:rPr lang="en-US" altLang="ko-KR" dirty="0"/>
+              <a:t>Logger </a:t>
+            </a:r>
+            <a:r>
+              <a:rPr lang="ko-KR" altLang="en-US" dirty="0"/>
+              <a:t>구현 소개</a:t>
+            </a:r>
+          </a:p>
+        </p:txBody>
+      </p:sp>
+    </p:spTree>
+    <p:extLst>
+      <p:ext uri="{BB962C8B-B14F-4D97-AF65-F5344CB8AC3E}">
+        <p14:creationId xmlns:p14="http://schemas.microsoft.com/office/powerpoint/2010/main" val="952534504"/>
+      </p:ext>
+    </p:extLst>
+  </p:cSld>
+  <p:clrMapOvr>
+    <a:masterClrMapping/>
+  </p:clrMapOvr>
+</p:sld>
+</file>
+
+<file path=ppt/slides/slide11.xml><?xml version="1.0" encoding="utf-8"?>
+<p:sld xmlns:a="http://schemas.openxmlformats.org/drawingml/2006/main" xmlns:r="http://schemas.openxmlformats.org/officeDocument/2006/relationships" xmlns:p="http://schemas.openxmlformats.org/presentationml/2006/main">
+  <p:cSld>
+    <p:spTree>
+      <p:nvGrpSpPr>
+        <p:cNvPr id="1" name="Shape 58"/>
+        <p:cNvGrpSpPr/>
+        <p:nvPr/>
+      </p:nvGrpSpPr>
+      <p:grpSpPr>
+        <a:xfrm>
+          <a:off x="0" y="0"/>
+          <a:ext cx="0" cy="0"/>
+          <a:chOff x="0" y="0"/>
+          <a:chExt cx="0" cy="0"/>
+        </a:xfrm>
+      </p:grpSpPr>
+      <p:sp>
+        <p:nvSpPr>
+          <p:cNvPr id="59" name="Google Shape;59;p3"/>
+          <p:cNvSpPr txBox="1">
+            <a:spLocks noGrp="1"/>
+          </p:cNvSpPr>
+          <p:nvPr>
+            <p:ph type="title"/>
+          </p:nvPr>
+        </p:nvSpPr>
+        <p:spPr>
+          <a:xfrm>
+            <a:off x="605980" y="310143"/>
+            <a:ext cx="10515600" cy="649800"/>
+          </a:xfrm>
+          <a:prstGeom prst="rect">
+            <a:avLst/>
+          </a:prstGeom>
+          <a:noFill/>
+          <a:ln>
+            <a:noFill/>
+          </a:ln>
+        </p:spPr>
+        <p:txBody>
+          <a:bodyPr spcFirstLastPara="1" wrap="square" lIns="91425" tIns="45700" rIns="91425" bIns="45700" anchor="ctr" anchorCtr="0">
+            <a:normAutofit fontScale="90000"/>
+          </a:bodyPr>
+          <a:lstStyle/>
+          <a:p>
+            <a:pPr>
+              <a:buSzPts val="4400"/>
+            </a:pPr>
+            <a:r>
+              <a:rPr lang="en-US" altLang="ko-KR" dirty="0" err="1"/>
+              <a:t>TestCode</a:t>
+            </a:r>
+            <a:r>
+              <a:rPr lang="en-US" altLang="ko-KR" dirty="0"/>
+              <a:t> </a:t>
+            </a:r>
+            <a:r>
+              <a:rPr lang="ko-KR" altLang="en-US" dirty="0"/>
+              <a:t>구현 소개</a:t>
+            </a:r>
+          </a:p>
+        </p:txBody>
+      </p:sp>
+    </p:spTree>
+    <p:extLst>
+      <p:ext uri="{BB962C8B-B14F-4D97-AF65-F5344CB8AC3E}">
+        <p14:creationId xmlns:p14="http://schemas.microsoft.com/office/powerpoint/2010/main" val="3251205040"/>
+      </p:ext>
+    </p:extLst>
+  </p:cSld>
+  <p:clrMapOvr>
+    <a:masterClrMapping/>
+  </p:clrMapOvr>
+</p:sld>
+</file>
+
+<file path=ppt/slides/slide12.xml><?xml version="1.0" encoding="utf-8"?>
+<p:sld xmlns:a="http://schemas.openxmlformats.org/drawingml/2006/main" xmlns:r="http://schemas.openxmlformats.org/officeDocument/2006/relationships" xmlns:p="http://schemas.openxmlformats.org/presentationml/2006/main">
+  <p:cSld>
+    <p:spTree>
+      <p:nvGrpSpPr>
+        <p:cNvPr id="1" name="Shape 53"/>
+        <p:cNvGrpSpPr/>
+        <p:nvPr/>
+      </p:nvGrpSpPr>
+      <p:grpSpPr>
+        <a:xfrm>
+          <a:off x="0" y="0"/>
+          <a:ext cx="0" cy="0"/>
+          <a:chOff x="0" y="0"/>
+          <a:chExt cx="0" cy="0"/>
+        </a:xfrm>
+      </p:grpSpPr>
+      <p:sp>
+        <p:nvSpPr>
+          <p:cNvPr id="54" name="Google Shape;54;p2"/>
+          <p:cNvSpPr txBox="1">
+            <a:spLocks noGrp="1"/>
+          </p:cNvSpPr>
+          <p:nvPr>
+            <p:ph type="body" idx="1"/>
+          </p:nvPr>
+        </p:nvSpPr>
+        <p:spPr>
+          <a:xfrm>
+            <a:off x="1632000" y="1860184"/>
+            <a:ext cx="8928000" cy="2533083"/>
+          </a:xfrm>
+          <a:prstGeom prst="rect">
+            <a:avLst/>
+          </a:prstGeom>
+          <a:noFill/>
+          <a:ln>
+            <a:noFill/>
+          </a:ln>
+        </p:spPr>
+        <p:txBody>
+          <a:bodyPr spcFirstLastPara="1" wrap="square" lIns="0" tIns="45700" rIns="91425" bIns="45700" anchor="ctr" anchorCtr="0">
+            <a:noAutofit/>
+          </a:bodyPr>
+          <a:lstStyle/>
+          <a:p>
+            <a:pPr marL="0" lvl="0" indent="0" algn="ctr" rtl="0">
+              <a:lnSpc>
+                <a:spcPct val="90000"/>
+              </a:lnSpc>
+              <a:spcBef>
+                <a:spcPts val="0"/>
+              </a:spcBef>
+              <a:spcAft>
+                <a:spcPts val="0"/>
+              </a:spcAft>
+              <a:buClr>
+                <a:schemeClr val="dk1"/>
+              </a:buClr>
+              <a:buSzPts val="3200"/>
+              <a:buNone/>
+            </a:pPr>
+            <a:r>
+              <a:rPr lang="en-US" dirty="0"/>
+              <a:t>TDD </a:t>
+            </a:r>
+            <a:r>
+              <a:rPr lang="ko-KR" altLang="en-US" dirty="0"/>
+              <a:t>활용 예시</a:t>
+            </a:r>
+            <a:endParaRPr dirty="0"/>
+          </a:p>
+        </p:txBody>
+      </p:sp>
+    </p:spTree>
+    <p:extLst>
+      <p:ext uri="{BB962C8B-B14F-4D97-AF65-F5344CB8AC3E}">
+        <p14:creationId xmlns:p14="http://schemas.microsoft.com/office/powerpoint/2010/main" val="2669016597"/>
+      </p:ext>
+    </p:extLst>
+  </p:cSld>
+  <p:clrMapOvr>
+    <a:masterClrMapping/>
+  </p:clrMapOvr>
+</p:sld>
+</file>
+
+<file path=ppt/slides/slide13.xml><?xml version="1.0" encoding="utf-8"?>
+<p:sld xmlns:a="http://schemas.openxmlformats.org/drawingml/2006/main" xmlns:r="http://schemas.openxmlformats.org/officeDocument/2006/relationships" xmlns:p="http://schemas.openxmlformats.org/presentationml/2006/main">
+  <p:cSld>
+    <p:spTree>
+      <p:nvGrpSpPr>
+        <p:cNvPr id="1" name="Shape 58"/>
+        <p:cNvGrpSpPr/>
+        <p:nvPr/>
+      </p:nvGrpSpPr>
+      <p:grpSpPr>
+        <a:xfrm>
+          <a:off x="0" y="0"/>
+          <a:ext cx="0" cy="0"/>
+          <a:chOff x="0" y="0"/>
+          <a:chExt cx="0" cy="0"/>
+        </a:xfrm>
+      </p:grpSpPr>
+      <p:sp>
+        <p:nvSpPr>
+          <p:cNvPr id="59" name="Google Shape;59;p3"/>
+          <p:cNvSpPr txBox="1">
+            <a:spLocks noGrp="1"/>
+          </p:cNvSpPr>
+          <p:nvPr>
+            <p:ph type="title"/>
+          </p:nvPr>
+        </p:nvSpPr>
+        <p:spPr>
+          <a:xfrm>
+            <a:off x="605980" y="310143"/>
+            <a:ext cx="10515600" cy="649800"/>
+          </a:xfrm>
+          <a:prstGeom prst="rect">
+            <a:avLst/>
+          </a:prstGeom>
+          <a:noFill/>
+          <a:ln>
+            <a:noFill/>
+          </a:ln>
+        </p:spPr>
+        <p:txBody>
+          <a:bodyPr spcFirstLastPara="1" wrap="square" lIns="91425" tIns="45700" rIns="91425" bIns="45700" anchor="ctr" anchorCtr="0">
+            <a:normAutofit fontScale="90000"/>
+          </a:bodyPr>
+          <a:lstStyle/>
+          <a:p>
+            <a:pPr>
+              <a:buSzPts val="4400"/>
+            </a:pPr>
+            <a:r>
+              <a:rPr lang="en-US" altLang="ko-KR" dirty="0"/>
+              <a:t>TDD</a:t>
+            </a:r>
+            <a:endParaRPr lang="ko-KR" altLang="en-US" dirty="0"/>
+          </a:p>
+        </p:txBody>
+      </p:sp>
+    </p:spTree>
+    <p:extLst>
+      <p:ext uri="{BB962C8B-B14F-4D97-AF65-F5344CB8AC3E}">
+        <p14:creationId xmlns:p14="http://schemas.microsoft.com/office/powerpoint/2010/main" val="1342972505"/>
+      </p:ext>
+    </p:extLst>
+  </p:cSld>
+  <p:clrMapOvr>
+    <a:masterClrMapping/>
+  </p:clrMapOvr>
+</p:sld>
+</file>
+
+<file path=ppt/slides/slide14.xml><?xml version="1.0" encoding="utf-8"?>
+<p:sld xmlns:a="http://schemas.openxmlformats.org/drawingml/2006/main" xmlns:r="http://schemas.openxmlformats.org/officeDocument/2006/relationships" xmlns:p="http://schemas.openxmlformats.org/presentationml/2006/main">
+  <p:cSld>
+    <p:spTree>
+      <p:nvGrpSpPr>
+        <p:cNvPr id="1" name="Shape 58"/>
+        <p:cNvGrpSpPr/>
+        <p:nvPr/>
+      </p:nvGrpSpPr>
+      <p:grpSpPr>
+        <a:xfrm>
+          <a:off x="0" y="0"/>
+          <a:ext cx="0" cy="0"/>
+          <a:chOff x="0" y="0"/>
+          <a:chExt cx="0" cy="0"/>
+        </a:xfrm>
+      </p:grpSpPr>
+      <p:sp>
+        <p:nvSpPr>
+          <p:cNvPr id="59" name="Google Shape;59;p3"/>
+          <p:cNvSpPr txBox="1">
+            <a:spLocks noGrp="1"/>
+          </p:cNvSpPr>
+          <p:nvPr>
+            <p:ph type="title"/>
+          </p:nvPr>
+        </p:nvSpPr>
+        <p:spPr>
+          <a:xfrm>
+            <a:off x="605980" y="310143"/>
+            <a:ext cx="10515600" cy="649800"/>
+          </a:xfrm>
+          <a:prstGeom prst="rect">
+            <a:avLst/>
+          </a:prstGeom>
+          <a:noFill/>
+          <a:ln>
+            <a:noFill/>
+          </a:ln>
+        </p:spPr>
+        <p:txBody>
+          <a:bodyPr spcFirstLastPara="1" wrap="square" lIns="91425" tIns="45700" rIns="91425" bIns="45700" anchor="ctr" anchorCtr="0">
+            <a:normAutofit fontScale="90000"/>
+          </a:bodyPr>
+          <a:lstStyle/>
+          <a:p>
+            <a:pPr>
+              <a:buSzPts val="4400"/>
+            </a:pPr>
+            <a:r>
+              <a:rPr lang="en-US" altLang="ko-KR" dirty="0"/>
+              <a:t>Mocking</a:t>
+            </a:r>
+            <a:endParaRPr lang="ko-KR" altLang="en-US" dirty="0"/>
+          </a:p>
+        </p:txBody>
+      </p:sp>
+    </p:spTree>
+    <p:extLst>
+      <p:ext uri="{BB962C8B-B14F-4D97-AF65-F5344CB8AC3E}">
+        <p14:creationId xmlns:p14="http://schemas.microsoft.com/office/powerpoint/2010/main" val="399614592"/>
+      </p:ext>
+    </p:extLst>
+  </p:cSld>
+  <p:clrMapOvr>
+    <a:masterClrMapping/>
+  </p:clrMapOvr>
+</p:sld>
+</file>
+
+<file path=ppt/slides/slide15.xml><?xml version="1.0" encoding="utf-8"?>
+<p:sld xmlns:a="http://schemas.openxmlformats.org/drawingml/2006/main" xmlns:r="http://schemas.openxmlformats.org/officeDocument/2006/relationships" xmlns:p="http://schemas.openxmlformats.org/presentationml/2006/main">
+  <p:cSld>
+    <p:spTree>
+      <p:nvGrpSpPr>
+        <p:cNvPr id="1" name="Shape 53"/>
+        <p:cNvGrpSpPr/>
+        <p:nvPr/>
+      </p:nvGrpSpPr>
+      <p:grpSpPr>
+        <a:xfrm>
+          <a:off x="0" y="0"/>
+          <a:ext cx="0" cy="0"/>
+          <a:chOff x="0" y="0"/>
+          <a:chExt cx="0" cy="0"/>
+        </a:xfrm>
+      </p:grpSpPr>
+      <p:sp>
+        <p:nvSpPr>
+          <p:cNvPr id="54" name="Google Shape;54;p2"/>
+          <p:cNvSpPr txBox="1">
+            <a:spLocks noGrp="1"/>
+          </p:cNvSpPr>
+          <p:nvPr>
+            <p:ph type="body" idx="1"/>
+          </p:nvPr>
+        </p:nvSpPr>
+        <p:spPr>
+          <a:xfrm>
+            <a:off x="1632000" y="1860184"/>
+            <a:ext cx="8928000" cy="2533083"/>
+          </a:xfrm>
+          <a:prstGeom prst="rect">
+            <a:avLst/>
+          </a:prstGeom>
+          <a:noFill/>
+          <a:ln>
+            <a:noFill/>
+          </a:ln>
+        </p:spPr>
+        <p:txBody>
+          <a:bodyPr spcFirstLastPara="1" wrap="square" lIns="0" tIns="45700" rIns="91425" bIns="45700" anchor="ctr" anchorCtr="0">
+            <a:noAutofit/>
+          </a:bodyPr>
+          <a:lstStyle/>
+          <a:p>
+            <a:pPr marL="0" lvl="0" indent="0" algn="ctr" rtl="0">
+              <a:lnSpc>
+                <a:spcPct val="90000"/>
+              </a:lnSpc>
+              <a:spcBef>
+                <a:spcPts val="0"/>
+              </a:spcBef>
+              <a:spcAft>
+                <a:spcPts val="0"/>
+              </a:spcAft>
+              <a:buClr>
+                <a:schemeClr val="dk1"/>
+              </a:buClr>
+              <a:buSzPts val="3200"/>
+              <a:buNone/>
+            </a:pPr>
+            <a:r>
+              <a:rPr lang="ko-KR" altLang="en-US" dirty="0" err="1"/>
+              <a:t>리팩토링</a:t>
+            </a:r>
+            <a:r>
+              <a:rPr lang="ko-KR" altLang="en-US" dirty="0"/>
+              <a:t> </a:t>
+            </a:r>
+            <a:r>
+              <a:rPr lang="en-US" altLang="ko-KR" dirty="0"/>
+              <a:t>&amp; </a:t>
+            </a:r>
+            <a:r>
+              <a:rPr lang="ko-KR" altLang="en-US" dirty="0" err="1"/>
+              <a:t>클린코드</a:t>
+            </a:r>
+            <a:endParaRPr dirty="0"/>
+          </a:p>
+        </p:txBody>
+      </p:sp>
+    </p:spTree>
+    <p:extLst>
+      <p:ext uri="{BB962C8B-B14F-4D97-AF65-F5344CB8AC3E}">
+        <p14:creationId xmlns:p14="http://schemas.microsoft.com/office/powerpoint/2010/main" val="2920312150"/>
+      </p:ext>
+    </p:extLst>
+  </p:cSld>
+  <p:clrMapOvr>
+    <a:masterClrMapping/>
+  </p:clrMapOvr>
+</p:sld>
+</file>
+
+<file path=ppt/slides/slide16.xml><?xml version="1.0" encoding="utf-8"?>
+<p:sld xmlns:a="http://schemas.openxmlformats.org/drawingml/2006/main" xmlns:r="http://schemas.openxmlformats.org/officeDocument/2006/relationships" xmlns:p="http://schemas.openxmlformats.org/presentationml/2006/main">
+  <p:cSld>
+    <p:spTree>
+      <p:nvGrpSpPr>
+        <p:cNvPr id="1" name="Shape 58"/>
+        <p:cNvGrpSpPr/>
+        <p:nvPr/>
+      </p:nvGrpSpPr>
+      <p:grpSpPr>
+        <a:xfrm>
+          <a:off x="0" y="0"/>
+          <a:ext cx="0" cy="0"/>
+          <a:chOff x="0" y="0"/>
+          <a:chExt cx="0" cy="0"/>
+        </a:xfrm>
+      </p:grpSpPr>
+      <p:sp>
+        <p:nvSpPr>
+          <p:cNvPr id="59" name="Google Shape;59;p3"/>
+          <p:cNvSpPr txBox="1">
+            <a:spLocks noGrp="1"/>
+          </p:cNvSpPr>
+          <p:nvPr>
+            <p:ph type="title"/>
+          </p:nvPr>
+        </p:nvSpPr>
+        <p:spPr>
+          <a:xfrm>
+            <a:off x="605980" y="310143"/>
+            <a:ext cx="10515600" cy="649800"/>
+          </a:xfrm>
+          <a:prstGeom prst="rect">
+            <a:avLst/>
+          </a:prstGeom>
+          <a:noFill/>
+          <a:ln>
+            <a:noFill/>
+          </a:ln>
+        </p:spPr>
+        <p:txBody>
+          <a:bodyPr spcFirstLastPara="1" wrap="square" lIns="91425" tIns="45700" rIns="91425" bIns="45700" anchor="ctr" anchorCtr="0">
+            <a:normAutofit fontScale="90000"/>
+          </a:bodyPr>
+          <a:lstStyle/>
+          <a:p>
+            <a:pPr>
+              <a:buSzPts val="4400"/>
+            </a:pPr>
+            <a:r>
+              <a:rPr lang="ko-KR" altLang="en-US" dirty="0" err="1"/>
+              <a:t>리팩토링</a:t>
+            </a:r>
+            <a:r>
+              <a:rPr lang="ko-KR" altLang="en-US" dirty="0"/>
+              <a:t> 예</a:t>
+            </a:r>
+          </a:p>
+        </p:txBody>
+      </p:sp>
+    </p:spTree>
+    <p:extLst>
+      <p:ext uri="{BB962C8B-B14F-4D97-AF65-F5344CB8AC3E}">
+        <p14:creationId xmlns:p14="http://schemas.microsoft.com/office/powerpoint/2010/main" val="195443608"/>
+      </p:ext>
+    </p:extLst>
+  </p:cSld>
+  <p:clrMapOvr>
+    <a:masterClrMapping/>
+  </p:clrMapOvr>
+</p:sld>
+</file>
+
+<file path=ppt/slides/slide17.xml><?xml version="1.0" encoding="utf-8"?>
+<p:sld xmlns:a="http://schemas.openxmlformats.org/drawingml/2006/main" xmlns:r="http://schemas.openxmlformats.org/officeDocument/2006/relationships" xmlns:p="http://schemas.openxmlformats.org/presentationml/2006/main">
+  <p:cSld>
+    <p:spTree>
+      <p:nvGrpSpPr>
+        <p:cNvPr id="1" name="Shape 53"/>
+        <p:cNvGrpSpPr/>
+        <p:nvPr/>
+      </p:nvGrpSpPr>
+      <p:grpSpPr>
+        <a:xfrm>
+          <a:off x="0" y="0"/>
+          <a:ext cx="0" cy="0"/>
+          <a:chOff x="0" y="0"/>
+          <a:chExt cx="0" cy="0"/>
+        </a:xfrm>
+      </p:grpSpPr>
+      <p:sp>
+        <p:nvSpPr>
+          <p:cNvPr id="54" name="Google Shape;54;p2"/>
+          <p:cNvSpPr txBox="1">
+            <a:spLocks noGrp="1"/>
+          </p:cNvSpPr>
+          <p:nvPr>
+            <p:ph type="body" idx="1"/>
+          </p:nvPr>
+        </p:nvSpPr>
+        <p:spPr>
+          <a:xfrm>
+            <a:off x="1632000" y="1860184"/>
+            <a:ext cx="8928000" cy="2533083"/>
+          </a:xfrm>
+          <a:prstGeom prst="rect">
+            <a:avLst/>
+          </a:prstGeom>
+          <a:noFill/>
+          <a:ln>
+            <a:noFill/>
+          </a:ln>
+        </p:spPr>
+        <p:txBody>
+          <a:bodyPr spcFirstLastPara="1" wrap="square" lIns="0" tIns="45700" rIns="91425" bIns="45700" anchor="ctr" anchorCtr="0">
+            <a:noAutofit/>
+          </a:bodyPr>
+          <a:lstStyle/>
+          <a:p>
+            <a:pPr marL="0" lvl="0" indent="0" algn="ctr" rtl="0">
+              <a:lnSpc>
+                <a:spcPct val="90000"/>
+              </a:lnSpc>
+              <a:spcBef>
+                <a:spcPts val="0"/>
+              </a:spcBef>
+              <a:spcAft>
+                <a:spcPts val="0"/>
+              </a:spcAft>
+              <a:buClr>
+                <a:schemeClr val="dk1"/>
+              </a:buClr>
+              <a:buSzPts val="3200"/>
+              <a:buNone/>
+            </a:pPr>
+            <a:r>
+              <a:rPr lang="ko-KR" altLang="en-US" dirty="0"/>
+              <a:t>시연</a:t>
+            </a:r>
+            <a:endParaRPr dirty="0"/>
+          </a:p>
+        </p:txBody>
+      </p:sp>
+    </p:spTree>
+    <p:extLst>
+      <p:ext uri="{BB962C8B-B14F-4D97-AF65-F5344CB8AC3E}">
+        <p14:creationId xmlns:p14="http://schemas.microsoft.com/office/powerpoint/2010/main" val="1925875280"/>
+      </p:ext>
+    </p:extLst>
+  </p:cSld>
+  <p:clrMapOvr>
+    <a:masterClrMapping/>
+  </p:clrMapOvr>
+</p:sld>
+</file>
+
+<file path=ppt/slides/slide18.xml><?xml version="1.0" encoding="utf-8"?>
+<p:sld xmlns:a="http://schemas.openxmlformats.org/drawingml/2006/main" xmlns:r="http://schemas.openxmlformats.org/officeDocument/2006/relationships" xmlns:p="http://schemas.openxmlformats.org/presentationml/2006/main">
+  <p:cSld>
+    <p:spTree>
+      <p:nvGrpSpPr>
+        <p:cNvPr id="1" name="Shape 58"/>
+        <p:cNvGrpSpPr/>
+        <p:nvPr/>
+      </p:nvGrpSpPr>
+      <p:grpSpPr>
+        <a:xfrm>
+          <a:off x="0" y="0"/>
+          <a:ext cx="0" cy="0"/>
+          <a:chOff x="0" y="0"/>
+          <a:chExt cx="0" cy="0"/>
+        </a:xfrm>
+      </p:grpSpPr>
+      <p:sp>
+        <p:nvSpPr>
+          <p:cNvPr id="59" name="Google Shape;59;p3"/>
+          <p:cNvSpPr txBox="1">
+            <a:spLocks noGrp="1"/>
+          </p:cNvSpPr>
+          <p:nvPr>
+            <p:ph type="title"/>
+          </p:nvPr>
+        </p:nvSpPr>
+        <p:spPr>
+          <a:xfrm>
+            <a:off x="605980" y="310143"/>
+            <a:ext cx="10515600" cy="649800"/>
+          </a:xfrm>
+          <a:prstGeom prst="rect">
+            <a:avLst/>
+          </a:prstGeom>
+          <a:noFill/>
+          <a:ln>
+            <a:noFill/>
+          </a:ln>
+        </p:spPr>
+        <p:txBody>
+          <a:bodyPr spcFirstLastPara="1" wrap="square" lIns="91425" tIns="45700" rIns="91425" bIns="45700" anchor="ctr" anchorCtr="0">
+            <a:normAutofit fontScale="90000"/>
+          </a:bodyPr>
+          <a:lstStyle/>
+          <a:p>
+            <a:pPr>
+              <a:buSzPts val="4400"/>
+            </a:pPr>
+            <a:r>
+              <a:rPr lang="ko-KR" altLang="en-US" dirty="0"/>
+              <a:t>소감</a:t>
+            </a:r>
+          </a:p>
+        </p:txBody>
+      </p:sp>
+    </p:spTree>
+    <p:extLst>
+      <p:ext uri="{BB962C8B-B14F-4D97-AF65-F5344CB8AC3E}">
+        <p14:creationId xmlns:p14="http://schemas.microsoft.com/office/powerpoint/2010/main" val="3491773476"/>
+      </p:ext>
+    </p:extLst>
+  </p:cSld>
+  <p:clrMapOvr>
+    <a:masterClrMapping/>
+  </p:clrMapOvr>
+</p:sld>
+</file>
+
 <file path=ppt/slides/slide2.xml><?xml version="1.0" encoding="utf-8"?>
 <p:sld xmlns:a="http://schemas.openxmlformats.org/drawingml/2006/main" xmlns:r="http://schemas.openxmlformats.org/officeDocument/2006/relationships" xmlns:p="http://schemas.openxmlformats.org/presentationml/2006/main">
   <p:cSld>
@@ -6218,49 +8107,603 @@
             </a:pPr>
             <a:r>
               <a:rPr lang="ko-KR" altLang="en-US" dirty="0"/>
-              <a:t>기능</a:t>
+              <a:t>구조도</a:t>
             </a:r>
           </a:p>
         </p:txBody>
       </p:sp>
       <p:sp>
         <p:nvSpPr>
-          <p:cNvPr id="60" name="Google Shape;60;p3"/>
-          <p:cNvSpPr txBox="1">
-            <a:spLocks noGrp="1"/>
-          </p:cNvSpPr>
-          <p:nvPr>
-            <p:ph type="body" idx="1"/>
-          </p:nvPr>
+          <p:cNvPr id="11" name="직사각형 10">
+            <a:extLst>
+              <a:ext uri="{FF2B5EF4-FFF2-40B4-BE49-F238E27FC236}">
+                <a16:creationId xmlns:a16="http://schemas.microsoft.com/office/drawing/2014/main" id="{02E77FF6-CDAC-413E-8ABD-D085BE2D6536}"/>
+              </a:ext>
+            </a:extLst>
+          </p:cNvPr>
+          <p:cNvSpPr/>
+          <p:nvPr/>
         </p:nvSpPr>
         <p:spPr>
           <a:xfrm>
-            <a:off x="605980" y="1316376"/>
-            <a:ext cx="10515600" cy="4927800"/>
+            <a:off x="2762182" y="1324993"/>
+            <a:ext cx="2192784" cy="2050742"/>
+          </a:xfrm>
+          <a:prstGeom prst="rect">
+            <a:avLst/>
+          </a:prstGeom>
+        </p:spPr>
+        <p:style>
+          <a:lnRef idx="2">
+            <a:schemeClr val="accent1">
+              <a:shade val="50000"/>
+            </a:schemeClr>
+          </a:lnRef>
+          <a:fillRef idx="1">
+            <a:schemeClr val="accent1"/>
+          </a:fillRef>
+          <a:effectRef idx="0">
+            <a:schemeClr val="accent1"/>
+          </a:effectRef>
+          <a:fontRef idx="minor">
+            <a:schemeClr val="lt1"/>
+          </a:fontRef>
+        </p:style>
+        <p:txBody>
+          <a:bodyPr rtlCol="0" anchor="ctr"/>
+          <a:lstStyle/>
+          <a:p>
+            <a:pPr algn="ctr"/>
+            <a:r>
+              <a:rPr lang="en-US" altLang="ko-KR" sz="2800" dirty="0"/>
+              <a:t>Runner &amp;</a:t>
+            </a:r>
+          </a:p>
+          <a:p>
+            <a:pPr algn="ctr"/>
+            <a:r>
+              <a:rPr lang="en-US" altLang="ko-KR" sz="2800" dirty="0"/>
+              <a:t>Application</a:t>
+            </a:r>
+            <a:endParaRPr lang="ko-KR" altLang="en-US" dirty="0"/>
+          </a:p>
+        </p:txBody>
+      </p:sp>
+      <p:sp>
+        <p:nvSpPr>
+          <p:cNvPr id="12" name="직사각형 11">
+            <a:extLst>
+              <a:ext uri="{FF2B5EF4-FFF2-40B4-BE49-F238E27FC236}">
+                <a16:creationId xmlns:a16="http://schemas.microsoft.com/office/drawing/2014/main" id="{C8570CF4-B036-4252-88B3-CF6DBBF2AA38}"/>
+              </a:ext>
+            </a:extLst>
+          </p:cNvPr>
+          <p:cNvSpPr/>
+          <p:nvPr/>
+        </p:nvSpPr>
+        <p:spPr>
+          <a:xfrm>
+            <a:off x="427102" y="1324993"/>
+            <a:ext cx="2192784" cy="2050742"/>
+          </a:xfrm>
+          <a:prstGeom prst="rect">
+            <a:avLst/>
+          </a:prstGeom>
+        </p:spPr>
+        <p:style>
+          <a:lnRef idx="2">
+            <a:schemeClr val="accent1">
+              <a:shade val="50000"/>
+            </a:schemeClr>
+          </a:lnRef>
+          <a:fillRef idx="1">
+            <a:schemeClr val="accent1"/>
+          </a:fillRef>
+          <a:effectRef idx="0">
+            <a:schemeClr val="accent1"/>
+          </a:effectRef>
+          <a:fontRef idx="minor">
+            <a:schemeClr val="lt1"/>
+          </a:fontRef>
+        </p:style>
+        <p:txBody>
+          <a:bodyPr rtlCol="0" anchor="ctr"/>
+          <a:lstStyle/>
+          <a:p>
+            <a:pPr algn="ctr"/>
+            <a:r>
+              <a:rPr lang="en-US" altLang="ko-KR" sz="2800" dirty="0"/>
+              <a:t>Shell</a:t>
+            </a:r>
+            <a:endParaRPr lang="ko-KR" altLang="en-US" dirty="0"/>
+          </a:p>
+        </p:txBody>
+      </p:sp>
+      <p:sp>
+        <p:nvSpPr>
+          <p:cNvPr id="13" name="직사각형 12">
+            <a:extLst>
+              <a:ext uri="{FF2B5EF4-FFF2-40B4-BE49-F238E27FC236}">
+                <a16:creationId xmlns:a16="http://schemas.microsoft.com/office/drawing/2014/main" id="{C561F252-83B1-41AB-BE47-491891491063}"/>
+              </a:ext>
+            </a:extLst>
+          </p:cNvPr>
+          <p:cNvSpPr/>
+          <p:nvPr/>
+        </p:nvSpPr>
+        <p:spPr>
+          <a:xfrm>
+            <a:off x="5097262" y="1324993"/>
+            <a:ext cx="2192784" cy="2050742"/>
+          </a:xfrm>
+          <a:prstGeom prst="rect">
+            <a:avLst/>
+          </a:prstGeom>
+        </p:spPr>
+        <p:style>
+          <a:lnRef idx="2">
+            <a:schemeClr val="accent1">
+              <a:shade val="50000"/>
+            </a:schemeClr>
+          </a:lnRef>
+          <a:fillRef idx="1">
+            <a:schemeClr val="accent1"/>
+          </a:fillRef>
+          <a:effectRef idx="0">
+            <a:schemeClr val="accent1"/>
+          </a:effectRef>
+          <a:fontRef idx="minor">
+            <a:schemeClr val="lt1"/>
+          </a:fontRef>
+        </p:style>
+        <p:txBody>
+          <a:bodyPr rtlCol="0" anchor="ctr"/>
+          <a:lstStyle/>
+          <a:p>
+            <a:pPr algn="ctr"/>
+            <a:r>
+              <a:rPr lang="en-US" altLang="ko-KR" sz="2800" dirty="0"/>
+              <a:t>Command</a:t>
+            </a:r>
+            <a:endParaRPr lang="ko-KR" altLang="en-US" dirty="0"/>
+          </a:p>
+        </p:txBody>
+      </p:sp>
+      <p:sp>
+        <p:nvSpPr>
+          <p:cNvPr id="14" name="직사각형 13">
+            <a:extLst>
+              <a:ext uri="{FF2B5EF4-FFF2-40B4-BE49-F238E27FC236}">
+                <a16:creationId xmlns:a16="http://schemas.microsoft.com/office/drawing/2014/main" id="{7B82973E-58F5-4D0D-B0E9-F904D8584FFF}"/>
+              </a:ext>
+            </a:extLst>
+          </p:cNvPr>
+          <p:cNvSpPr/>
+          <p:nvPr/>
+        </p:nvSpPr>
+        <p:spPr>
+          <a:xfrm>
+            <a:off x="7432342" y="1324993"/>
+            <a:ext cx="2192784" cy="2050742"/>
+          </a:xfrm>
+          <a:prstGeom prst="rect">
+            <a:avLst/>
+          </a:prstGeom>
+        </p:spPr>
+        <p:style>
+          <a:lnRef idx="2">
+            <a:schemeClr val="accent1">
+              <a:shade val="50000"/>
+            </a:schemeClr>
+          </a:lnRef>
+          <a:fillRef idx="1">
+            <a:schemeClr val="accent1"/>
+          </a:fillRef>
+          <a:effectRef idx="0">
+            <a:schemeClr val="accent1"/>
+          </a:effectRef>
+          <a:fontRef idx="minor">
+            <a:schemeClr val="lt1"/>
+          </a:fontRef>
+        </p:style>
+        <p:txBody>
+          <a:bodyPr rtlCol="0" anchor="ctr"/>
+          <a:lstStyle/>
+          <a:p>
+            <a:pPr algn="ctr"/>
+            <a:r>
+              <a:rPr lang="en-US" altLang="ko-KR" sz="2800" dirty="0"/>
+              <a:t>SSD</a:t>
+            </a:r>
+            <a:endParaRPr lang="ko-KR" altLang="en-US" dirty="0"/>
+          </a:p>
+        </p:txBody>
+      </p:sp>
+      <p:sp>
+        <p:nvSpPr>
+          <p:cNvPr id="9" name="직사각형 8">
+            <a:extLst>
+              <a:ext uri="{FF2B5EF4-FFF2-40B4-BE49-F238E27FC236}">
+                <a16:creationId xmlns:a16="http://schemas.microsoft.com/office/drawing/2014/main" id="{FEBCFEC9-4EC2-4786-9F1E-4425B294A1BB}"/>
+              </a:ext>
+            </a:extLst>
+          </p:cNvPr>
+          <p:cNvSpPr/>
+          <p:nvPr/>
+        </p:nvSpPr>
+        <p:spPr>
+          <a:xfrm>
+            <a:off x="9767422" y="1324993"/>
+            <a:ext cx="2192784" cy="2050742"/>
+          </a:xfrm>
+          <a:prstGeom prst="rect">
+            <a:avLst/>
+          </a:prstGeom>
+        </p:spPr>
+        <p:style>
+          <a:lnRef idx="2">
+            <a:schemeClr val="accent1">
+              <a:shade val="50000"/>
+            </a:schemeClr>
+          </a:lnRef>
+          <a:fillRef idx="1">
+            <a:schemeClr val="accent1"/>
+          </a:fillRef>
+          <a:effectRef idx="0">
+            <a:schemeClr val="accent1"/>
+          </a:effectRef>
+          <a:fontRef idx="minor">
+            <a:schemeClr val="lt1"/>
+          </a:fontRef>
+        </p:style>
+        <p:txBody>
+          <a:bodyPr rtlCol="0" anchor="ctr"/>
+          <a:lstStyle/>
+          <a:p>
+            <a:pPr algn="ctr"/>
+            <a:r>
+              <a:rPr lang="en-US" altLang="ko-KR" sz="2800" dirty="0"/>
+              <a:t>Logger</a:t>
+            </a:r>
+            <a:endParaRPr lang="ko-KR" altLang="en-US" dirty="0"/>
+          </a:p>
+        </p:txBody>
+      </p:sp>
+      <p:sp>
+        <p:nvSpPr>
+          <p:cNvPr id="2" name="TextBox 1">
+            <a:extLst>
+              <a:ext uri="{FF2B5EF4-FFF2-40B4-BE49-F238E27FC236}">
+                <a16:creationId xmlns:a16="http://schemas.microsoft.com/office/drawing/2014/main" id="{481FB6F8-A16A-405E-957D-6155DC573DEF}"/>
+              </a:ext>
+            </a:extLst>
+          </p:cNvPr>
+          <p:cNvSpPr txBox="1"/>
+          <p:nvPr/>
+        </p:nvSpPr>
+        <p:spPr>
+          <a:xfrm>
+            <a:off x="427102" y="3808521"/>
+            <a:ext cx="2379216" cy="307777"/>
           </a:xfrm>
           <a:prstGeom prst="rect">
             <a:avLst/>
           </a:prstGeom>
           <a:noFill/>
-          <a:ln>
-            <a:noFill/>
-          </a:ln>
         </p:spPr>
         <p:txBody>
-          <a:bodyPr spcFirstLastPara="1" wrap="square" lIns="91425" tIns="45700" rIns="91425" bIns="45700" anchor="t" anchorCtr="0">
-            <a:normAutofit/>
+          <a:bodyPr wrap="square" rtlCol="0">
+            <a:spAutoFit/>
           </a:bodyPr>
           <a:lstStyle/>
           <a:p>
-            <a:pPr marL="635000" indent="-457200">
-              <a:spcBef>
-                <a:spcPts val="0"/>
-              </a:spcBef>
-              <a:buSzPts val="2800"/>
+            <a:pPr marL="285750" indent="-285750">
+              <a:buFont typeface="Arial" panose="020B0604020202020204" pitchFamily="34" charset="0"/>
+              <a:buChar char="•"/>
             </a:pPr>
             <a:r>
-              <a:rPr lang="ko-KR" altLang="en-US" dirty="0" err="1"/>
-              <a:t>ㄱㄱ</a:t>
+              <a:rPr lang="ko-KR" altLang="en-US" dirty="0"/>
+              <a:t>명령 입력</a:t>
+            </a:r>
+            <a:r>
+              <a:rPr lang="en-US" altLang="ko-KR" dirty="0"/>
+              <a:t>/</a:t>
+            </a:r>
+            <a:r>
+              <a:rPr lang="ko-KR" altLang="en-US" dirty="0"/>
+              <a:t>출력 담당</a:t>
+            </a:r>
+          </a:p>
+        </p:txBody>
+      </p:sp>
+      <p:sp>
+        <p:nvSpPr>
+          <p:cNvPr id="15" name="TextBox 14">
+            <a:extLst>
+              <a:ext uri="{FF2B5EF4-FFF2-40B4-BE49-F238E27FC236}">
+                <a16:creationId xmlns:a16="http://schemas.microsoft.com/office/drawing/2014/main" id="{C6ABF00A-EAE6-4963-9A80-2F930F816F7B}"/>
+              </a:ext>
+            </a:extLst>
+          </p:cNvPr>
+          <p:cNvSpPr txBox="1"/>
+          <p:nvPr/>
+        </p:nvSpPr>
+        <p:spPr>
+          <a:xfrm>
+            <a:off x="2619886" y="3808521"/>
+            <a:ext cx="2379216" cy="954107"/>
+          </a:xfrm>
+          <a:prstGeom prst="rect">
+            <a:avLst/>
+          </a:prstGeom>
+          <a:noFill/>
+        </p:spPr>
+        <p:txBody>
+          <a:bodyPr wrap="square" rtlCol="0">
+            <a:spAutoFit/>
+          </a:bodyPr>
+          <a:lstStyle/>
+          <a:p>
+            <a:pPr marL="285750" indent="-285750">
+              <a:buFont typeface="Arial" panose="020B0604020202020204" pitchFamily="34" charset="0"/>
+              <a:buChar char="•"/>
+            </a:pPr>
+            <a:r>
+              <a:rPr lang="ko-KR" altLang="en-US" dirty="0"/>
+              <a:t>고유 기능 수행</a:t>
+            </a:r>
+            <a:endParaRPr lang="en-US" altLang="ko-KR" dirty="0"/>
+          </a:p>
+          <a:p>
+            <a:pPr marL="285750" indent="-285750">
+              <a:buFont typeface="Arial" panose="020B0604020202020204" pitchFamily="34" charset="0"/>
+              <a:buChar char="•"/>
+            </a:pPr>
+            <a:r>
+              <a:rPr lang="en-US" altLang="ko-KR" dirty="0"/>
+              <a:t>TestApp1</a:t>
+            </a:r>
+          </a:p>
+          <a:p>
+            <a:pPr marL="285750" indent="-285750">
+              <a:buFont typeface="Arial" panose="020B0604020202020204" pitchFamily="34" charset="0"/>
+              <a:buChar char="•"/>
+            </a:pPr>
+            <a:r>
+              <a:rPr lang="en-US" altLang="ko-KR" dirty="0"/>
+              <a:t>TestApp2</a:t>
+            </a:r>
+          </a:p>
+          <a:p>
+            <a:pPr marL="285750" indent="-285750">
+              <a:buFont typeface="Arial" panose="020B0604020202020204" pitchFamily="34" charset="0"/>
+              <a:buChar char="•"/>
+            </a:pPr>
+            <a:r>
+              <a:rPr lang="ko-KR" altLang="en-US" dirty="0"/>
+              <a:t>시나리오</a:t>
+            </a:r>
+            <a:r>
+              <a:rPr lang="en-US" altLang="ko-KR" dirty="0"/>
+              <a:t>App</a:t>
+            </a:r>
+            <a:endParaRPr lang="ko-KR" altLang="en-US" dirty="0"/>
+          </a:p>
+        </p:txBody>
+      </p:sp>
+      <p:sp>
+        <p:nvSpPr>
+          <p:cNvPr id="16" name="TextBox 15">
+            <a:extLst>
+              <a:ext uri="{FF2B5EF4-FFF2-40B4-BE49-F238E27FC236}">
+                <a16:creationId xmlns:a16="http://schemas.microsoft.com/office/drawing/2014/main" id="{898FF431-8AB0-4060-AAE9-37D581A5B291}"/>
+              </a:ext>
+            </a:extLst>
+          </p:cNvPr>
+          <p:cNvSpPr txBox="1"/>
+          <p:nvPr/>
+        </p:nvSpPr>
+        <p:spPr>
+          <a:xfrm>
+            <a:off x="4954966" y="3808520"/>
+            <a:ext cx="2379216" cy="954107"/>
+          </a:xfrm>
+          <a:prstGeom prst="rect">
+            <a:avLst/>
+          </a:prstGeom>
+          <a:noFill/>
+        </p:spPr>
+        <p:txBody>
+          <a:bodyPr wrap="square" rtlCol="0">
+            <a:spAutoFit/>
+          </a:bodyPr>
+          <a:lstStyle/>
+          <a:p>
+            <a:pPr marL="285750" indent="-285750">
+              <a:buFont typeface="Arial" panose="020B0604020202020204" pitchFamily="34" charset="0"/>
+              <a:buChar char="•"/>
+            </a:pPr>
+            <a:r>
+              <a:rPr lang="en-US" altLang="ko-KR" dirty="0"/>
+              <a:t>Shell</a:t>
+            </a:r>
+            <a:r>
+              <a:rPr lang="ko-KR" altLang="en-US" dirty="0"/>
+              <a:t>의 명령을 </a:t>
+            </a:r>
+            <a:r>
+              <a:rPr lang="en-US" altLang="ko-KR" dirty="0"/>
+              <a:t>SSD</a:t>
+            </a:r>
+            <a:r>
+              <a:rPr lang="ko-KR" altLang="en-US" dirty="0"/>
+              <a:t>로 전달</a:t>
+            </a:r>
+            <a:endParaRPr lang="en-US" altLang="ko-KR" dirty="0"/>
+          </a:p>
+          <a:p>
+            <a:pPr marL="285750" indent="-285750">
+              <a:buFont typeface="Arial" panose="020B0604020202020204" pitchFamily="34" charset="0"/>
+              <a:buChar char="•"/>
+            </a:pPr>
+            <a:r>
+              <a:rPr lang="en-US" altLang="ko-KR" dirty="0"/>
+              <a:t>Command</a:t>
+            </a:r>
+            <a:r>
+              <a:rPr lang="ko-KR" altLang="en-US" dirty="0"/>
+              <a:t> 패턴</a:t>
+            </a:r>
+            <a:endParaRPr lang="en-US" altLang="ko-KR" dirty="0"/>
+          </a:p>
+          <a:p>
+            <a:pPr marL="285750" indent="-285750">
+              <a:buFont typeface="Arial" panose="020B0604020202020204" pitchFamily="34" charset="0"/>
+              <a:buChar char="•"/>
+            </a:pPr>
+            <a:r>
+              <a:rPr lang="en-US" altLang="ko-KR" dirty="0" err="1"/>
+              <a:t>Factiory</a:t>
+            </a:r>
+            <a:r>
+              <a:rPr lang="en-US" altLang="ko-KR" dirty="0"/>
+              <a:t> </a:t>
+            </a:r>
+            <a:r>
+              <a:rPr lang="ko-KR" altLang="en-US" dirty="0"/>
+              <a:t>패턴</a:t>
+            </a:r>
+            <a:endParaRPr lang="en-US" altLang="ko-KR" dirty="0"/>
+          </a:p>
+        </p:txBody>
+      </p:sp>
+      <p:sp>
+        <p:nvSpPr>
+          <p:cNvPr id="18" name="TextBox 17">
+            <a:extLst>
+              <a:ext uri="{FF2B5EF4-FFF2-40B4-BE49-F238E27FC236}">
+                <a16:creationId xmlns:a16="http://schemas.microsoft.com/office/drawing/2014/main" id="{38600B67-0ECF-4E32-92F6-2509C1C3F242}"/>
+              </a:ext>
+            </a:extLst>
+          </p:cNvPr>
+          <p:cNvSpPr txBox="1"/>
+          <p:nvPr/>
+        </p:nvSpPr>
+        <p:spPr>
+          <a:xfrm>
+            <a:off x="7290046" y="3808520"/>
+            <a:ext cx="2379216" cy="738664"/>
+          </a:xfrm>
+          <a:prstGeom prst="rect">
+            <a:avLst/>
+          </a:prstGeom>
+          <a:noFill/>
+        </p:spPr>
+        <p:txBody>
+          <a:bodyPr wrap="square" rtlCol="0">
+            <a:spAutoFit/>
+          </a:bodyPr>
+          <a:lstStyle/>
+          <a:p>
+            <a:pPr marL="285750" indent="-285750">
+              <a:buFont typeface="Arial" panose="020B0604020202020204" pitchFamily="34" charset="0"/>
+              <a:buChar char="•"/>
+            </a:pPr>
+            <a:r>
+              <a:rPr lang="en-US" altLang="ko-KR" dirty="0"/>
+              <a:t>SSD </a:t>
+            </a:r>
+            <a:r>
+              <a:rPr lang="ko-KR" altLang="en-US" dirty="0"/>
+              <a:t>역할 수행</a:t>
+            </a:r>
+            <a:endParaRPr lang="en-US" altLang="ko-KR" dirty="0"/>
+          </a:p>
+          <a:p>
+            <a:pPr marL="285750" indent="-285750">
+              <a:buFont typeface="Arial" panose="020B0604020202020204" pitchFamily="34" charset="0"/>
+              <a:buChar char="•"/>
+            </a:pPr>
+            <a:r>
+              <a:rPr lang="en-US" altLang="ko-KR" dirty="0"/>
+              <a:t>Read/Write/Erase/Flush</a:t>
+            </a:r>
+          </a:p>
+          <a:p>
+            <a:pPr marL="285750" indent="-285750">
+              <a:buFont typeface="Arial" panose="020B0604020202020204" pitchFamily="34" charset="0"/>
+              <a:buChar char="•"/>
+            </a:pPr>
+            <a:r>
+              <a:rPr lang="en-US" altLang="ko-KR" dirty="0"/>
+              <a:t>Application</a:t>
+            </a:r>
+            <a:r>
+              <a:rPr lang="ko-KR" altLang="en-US" dirty="0"/>
+              <a:t>용 </a:t>
+            </a:r>
+            <a:r>
+              <a:rPr lang="en-US" altLang="ko-KR" dirty="0"/>
+              <a:t>API </a:t>
+            </a:r>
+            <a:r>
+              <a:rPr lang="ko-KR" altLang="en-US" dirty="0"/>
+              <a:t>제공</a:t>
+            </a:r>
+            <a:endParaRPr lang="en-US" altLang="ko-KR" dirty="0"/>
+          </a:p>
+        </p:txBody>
+      </p:sp>
+      <p:sp>
+        <p:nvSpPr>
+          <p:cNvPr id="19" name="TextBox 18">
+            <a:extLst>
+              <a:ext uri="{FF2B5EF4-FFF2-40B4-BE49-F238E27FC236}">
+                <a16:creationId xmlns:a16="http://schemas.microsoft.com/office/drawing/2014/main" id="{2F33537E-37C0-4DB2-B006-0F339941050A}"/>
+              </a:ext>
+            </a:extLst>
+          </p:cNvPr>
+          <p:cNvSpPr txBox="1"/>
+          <p:nvPr/>
+        </p:nvSpPr>
+        <p:spPr>
+          <a:xfrm>
+            <a:off x="9767422" y="3808517"/>
+            <a:ext cx="2379216" cy="523220"/>
+          </a:xfrm>
+          <a:prstGeom prst="rect">
+            <a:avLst/>
+          </a:prstGeom>
+          <a:noFill/>
+        </p:spPr>
+        <p:txBody>
+          <a:bodyPr wrap="square" rtlCol="0">
+            <a:spAutoFit/>
+          </a:bodyPr>
+          <a:lstStyle/>
+          <a:p>
+            <a:pPr marL="285750" indent="-285750">
+              <a:buFont typeface="Arial" panose="020B0604020202020204" pitchFamily="34" charset="0"/>
+              <a:buChar char="•"/>
+            </a:pPr>
+            <a:r>
+              <a:rPr lang="ko-KR" altLang="en-US" dirty="0"/>
+              <a:t>로깅 수행</a:t>
+            </a:r>
+            <a:endParaRPr lang="en-US" altLang="ko-KR" dirty="0"/>
+          </a:p>
+          <a:p>
+            <a:pPr marL="285750" indent="-285750">
+              <a:buFont typeface="Arial" panose="020B0604020202020204" pitchFamily="34" charset="0"/>
+              <a:buChar char="•"/>
+            </a:pPr>
+            <a:r>
+              <a:rPr lang="en-US" altLang="ko-KR" dirty="0"/>
+              <a:t>Singleton</a:t>
+            </a:r>
+            <a:r>
+              <a:rPr lang="ko-KR" altLang="en-US" dirty="0"/>
+              <a:t> 패턴</a:t>
             </a:r>
             <a:endParaRPr lang="en-US" altLang="ko-KR" dirty="0"/>
           </a:p>
@@ -6269,7 +8712,7 @@
     </p:spTree>
     <p:extLst>
       <p:ext uri="{BB962C8B-B14F-4D97-AF65-F5344CB8AC3E}">
-        <p14:creationId xmlns:p14="http://schemas.microsoft.com/office/powerpoint/2010/main" val="4038027747"/>
+        <p14:creationId xmlns:p14="http://schemas.microsoft.com/office/powerpoint/2010/main" val="2896539499"/>
       </p:ext>
     </p:extLst>
   </p:cSld>
@@ -6284,7 +8727,7 @@
   <p:cSld>
     <p:spTree>
       <p:nvGrpSpPr>
-        <p:cNvPr id="1" name="Shape 53"/>
+        <p:cNvPr id="1" name="Shape 58"/>
         <p:cNvGrpSpPr/>
         <p:nvPr/>
       </p:nvGrpSpPr>
@@ -6298,18 +8741,18 @@
       </p:grpSpPr>
       <p:sp>
         <p:nvSpPr>
-          <p:cNvPr id="54" name="Google Shape;54;p2"/>
+          <p:cNvPr id="59" name="Google Shape;59;p3"/>
           <p:cNvSpPr txBox="1">
             <a:spLocks noGrp="1"/>
           </p:cNvSpPr>
           <p:nvPr>
-            <p:ph type="body" idx="1"/>
+            <p:ph type="title"/>
           </p:nvPr>
         </p:nvSpPr>
         <p:spPr>
           <a:xfrm>
-            <a:off x="1632000" y="1860184"/>
-            <a:ext cx="8928000" cy="2533083"/>
+            <a:off x="605980" y="310143"/>
+            <a:ext cx="10515600" cy="649800"/>
           </a:xfrm>
           <a:prstGeom prst="rect">
             <a:avLst/>
@@ -6320,35 +8763,832 @@
           </a:ln>
         </p:spPr>
         <p:txBody>
-          <a:bodyPr spcFirstLastPara="1" wrap="square" lIns="0" tIns="45700" rIns="91425" bIns="45700" anchor="ctr" anchorCtr="0">
-            <a:noAutofit/>
+          <a:bodyPr spcFirstLastPara="1" wrap="square" lIns="91425" tIns="45700" rIns="91425" bIns="45700" anchor="ctr" anchorCtr="0">
+            <a:normAutofit fontScale="90000"/>
           </a:bodyPr>
           <a:lstStyle/>
           <a:p>
-            <a:pPr marL="0" lvl="0" indent="0" algn="ctr" rtl="0">
-              <a:lnSpc>
-                <a:spcPct val="90000"/>
-              </a:lnSpc>
-              <a:spcBef>
-                <a:spcPts val="0"/>
-              </a:spcBef>
-              <a:spcAft>
-                <a:spcPts val="0"/>
-              </a:spcAft>
-              <a:buClr>
-                <a:schemeClr val="dk1"/>
-              </a:buClr>
-              <a:buSzPts val="3200"/>
-              <a:buNone/>
+            <a:pPr>
+              <a:buSzPts val="4400"/>
             </a:pPr>
-            <a:endParaRPr/>
+            <a:r>
+              <a:rPr lang="en-US" altLang="ko-KR" dirty="0"/>
+              <a:t>Shell </a:t>
+            </a:r>
+            <a:r>
+              <a:rPr lang="ko-KR" altLang="en-US" dirty="0"/>
+              <a:t>구현 소개</a:t>
+            </a:r>
+          </a:p>
+        </p:txBody>
+      </p:sp>
+      <p:sp>
+        <p:nvSpPr>
+          <p:cNvPr id="7" name="직사각형 6">
+            <a:extLst>
+              <a:ext uri="{FF2B5EF4-FFF2-40B4-BE49-F238E27FC236}">
+                <a16:creationId xmlns:a16="http://schemas.microsoft.com/office/drawing/2014/main" id="{D68AED07-584F-4DDD-AFB4-E70DCE2A607A}"/>
+              </a:ext>
+            </a:extLst>
+          </p:cNvPr>
+          <p:cNvSpPr/>
+          <p:nvPr/>
+        </p:nvSpPr>
+        <p:spPr>
+          <a:xfrm>
+            <a:off x="7526551" y="4590388"/>
+            <a:ext cx="1979720" cy="801210"/>
+          </a:xfrm>
+          <a:prstGeom prst="rect">
+            <a:avLst/>
+          </a:prstGeom>
+          <a:solidFill>
+            <a:schemeClr val="accent1">
+              <a:alpha val="50000"/>
+            </a:schemeClr>
+          </a:solidFill>
+        </p:spPr>
+        <p:style>
+          <a:lnRef idx="2">
+            <a:schemeClr val="accent1">
+              <a:shade val="50000"/>
+            </a:schemeClr>
+          </a:lnRef>
+          <a:fillRef idx="1">
+            <a:schemeClr val="accent1"/>
+          </a:fillRef>
+          <a:effectRef idx="0">
+            <a:schemeClr val="accent1"/>
+          </a:effectRef>
+          <a:fontRef idx="minor">
+            <a:schemeClr val="lt1"/>
+          </a:fontRef>
+        </p:style>
+        <p:txBody>
+          <a:bodyPr rtlCol="0" anchor="ctr"/>
+          <a:lstStyle/>
+          <a:p>
+            <a:pPr algn="ctr"/>
+            <a:r>
+              <a:rPr lang="en-US" altLang="ko-KR" dirty="0"/>
+              <a:t>Run Runner</a:t>
+            </a:r>
+            <a:endParaRPr lang="ko-KR" altLang="en-US" dirty="0"/>
+          </a:p>
+        </p:txBody>
+      </p:sp>
+      <p:sp>
+        <p:nvSpPr>
+          <p:cNvPr id="9" name="직사각형 8">
+            <a:extLst>
+              <a:ext uri="{FF2B5EF4-FFF2-40B4-BE49-F238E27FC236}">
+                <a16:creationId xmlns:a16="http://schemas.microsoft.com/office/drawing/2014/main" id="{276F87CF-FB45-4661-BC25-BB13704AF4F2}"/>
+              </a:ext>
+            </a:extLst>
+          </p:cNvPr>
+          <p:cNvSpPr/>
+          <p:nvPr/>
+        </p:nvSpPr>
+        <p:spPr>
+          <a:xfrm>
+            <a:off x="9698373" y="4590388"/>
+            <a:ext cx="1979720" cy="298646"/>
+          </a:xfrm>
+          <a:prstGeom prst="rect">
+            <a:avLst/>
+          </a:prstGeom>
+          <a:solidFill>
+            <a:schemeClr val="accent1">
+              <a:alpha val="50000"/>
+            </a:schemeClr>
+          </a:solidFill>
+        </p:spPr>
+        <p:style>
+          <a:lnRef idx="2">
+            <a:schemeClr val="accent1">
+              <a:shade val="50000"/>
+            </a:schemeClr>
+          </a:lnRef>
+          <a:fillRef idx="1">
+            <a:schemeClr val="accent1"/>
+          </a:fillRef>
+          <a:effectRef idx="0">
+            <a:schemeClr val="accent1"/>
+          </a:effectRef>
+          <a:fontRef idx="minor">
+            <a:schemeClr val="lt1"/>
+          </a:fontRef>
+        </p:style>
+        <p:txBody>
+          <a:bodyPr rtlCol="0" anchor="ctr"/>
+          <a:lstStyle/>
+          <a:p>
+            <a:pPr algn="ctr"/>
+            <a:r>
+              <a:rPr lang="en-US" altLang="ko-KR" dirty="0"/>
+              <a:t>Test Application</a:t>
+            </a:r>
+            <a:endParaRPr lang="ko-KR" altLang="en-US" dirty="0"/>
+          </a:p>
+        </p:txBody>
+      </p:sp>
+      <p:sp>
+        <p:nvSpPr>
+          <p:cNvPr id="10" name="직사각형 9">
+            <a:extLst>
+              <a:ext uri="{FF2B5EF4-FFF2-40B4-BE49-F238E27FC236}">
+                <a16:creationId xmlns:a16="http://schemas.microsoft.com/office/drawing/2014/main" id="{D5480C72-CC52-4CAB-B7A7-E0CFAF2407C5}"/>
+              </a:ext>
+            </a:extLst>
+          </p:cNvPr>
+          <p:cNvSpPr/>
+          <p:nvPr/>
+        </p:nvSpPr>
+        <p:spPr>
+          <a:xfrm>
+            <a:off x="9698373" y="5037690"/>
+            <a:ext cx="1979720" cy="298646"/>
+          </a:xfrm>
+          <a:prstGeom prst="rect">
+            <a:avLst/>
+          </a:prstGeom>
+          <a:solidFill>
+            <a:schemeClr val="accent1">
+              <a:alpha val="50000"/>
+            </a:schemeClr>
+          </a:solidFill>
+        </p:spPr>
+        <p:style>
+          <a:lnRef idx="2">
+            <a:schemeClr val="accent1">
+              <a:shade val="50000"/>
+            </a:schemeClr>
+          </a:lnRef>
+          <a:fillRef idx="1">
+            <a:schemeClr val="accent1"/>
+          </a:fillRef>
+          <a:effectRef idx="0">
+            <a:schemeClr val="accent1"/>
+          </a:effectRef>
+          <a:fontRef idx="minor">
+            <a:schemeClr val="lt1"/>
+          </a:fontRef>
+        </p:style>
+        <p:txBody>
+          <a:bodyPr rtlCol="0" anchor="ctr"/>
+          <a:lstStyle/>
+          <a:p>
+            <a:pPr algn="ctr"/>
+            <a:r>
+              <a:rPr lang="en-US" altLang="ko-KR" dirty="0"/>
+              <a:t>Test App1</a:t>
+            </a:r>
+            <a:endParaRPr lang="ko-KR" altLang="en-US" dirty="0"/>
+          </a:p>
+        </p:txBody>
+      </p:sp>
+      <p:sp>
+        <p:nvSpPr>
+          <p:cNvPr id="11" name="직사각형 10">
+            <a:extLst>
+              <a:ext uri="{FF2B5EF4-FFF2-40B4-BE49-F238E27FC236}">
+                <a16:creationId xmlns:a16="http://schemas.microsoft.com/office/drawing/2014/main" id="{C0BDAD69-DBB3-4C7A-9737-119172F438A4}"/>
+              </a:ext>
+            </a:extLst>
+          </p:cNvPr>
+          <p:cNvSpPr/>
+          <p:nvPr/>
+        </p:nvSpPr>
+        <p:spPr>
+          <a:xfrm>
+            <a:off x="9698373" y="5470387"/>
+            <a:ext cx="1979720" cy="298646"/>
+          </a:xfrm>
+          <a:prstGeom prst="rect">
+            <a:avLst/>
+          </a:prstGeom>
+          <a:solidFill>
+            <a:schemeClr val="accent1">
+              <a:alpha val="50000"/>
+            </a:schemeClr>
+          </a:solidFill>
+        </p:spPr>
+        <p:style>
+          <a:lnRef idx="2">
+            <a:schemeClr val="accent1">
+              <a:shade val="50000"/>
+            </a:schemeClr>
+          </a:lnRef>
+          <a:fillRef idx="1">
+            <a:schemeClr val="accent1"/>
+          </a:fillRef>
+          <a:effectRef idx="0">
+            <a:schemeClr val="accent1"/>
+          </a:effectRef>
+          <a:fontRef idx="minor">
+            <a:schemeClr val="lt1"/>
+          </a:fontRef>
+        </p:style>
+        <p:txBody>
+          <a:bodyPr rtlCol="0" anchor="ctr"/>
+          <a:lstStyle/>
+          <a:p>
+            <a:pPr algn="ctr"/>
+            <a:r>
+              <a:rPr lang="en-US" altLang="ko-KR" dirty="0"/>
+              <a:t>Test App2</a:t>
+            </a:r>
+            <a:endParaRPr lang="ko-KR" altLang="en-US" dirty="0"/>
+          </a:p>
+        </p:txBody>
+      </p:sp>
+      <p:sp>
+        <p:nvSpPr>
+          <p:cNvPr id="12" name="직사각형 11">
+            <a:extLst>
+              <a:ext uri="{FF2B5EF4-FFF2-40B4-BE49-F238E27FC236}">
+                <a16:creationId xmlns:a16="http://schemas.microsoft.com/office/drawing/2014/main" id="{A39B8C0D-B974-4C27-9432-BD590D05917C}"/>
+              </a:ext>
+            </a:extLst>
+          </p:cNvPr>
+          <p:cNvSpPr/>
+          <p:nvPr/>
+        </p:nvSpPr>
+        <p:spPr>
+          <a:xfrm>
+            <a:off x="9698373" y="5903084"/>
+            <a:ext cx="1979720" cy="298646"/>
+          </a:xfrm>
+          <a:prstGeom prst="rect">
+            <a:avLst/>
+          </a:prstGeom>
+          <a:solidFill>
+            <a:schemeClr val="accent1">
+              <a:alpha val="50000"/>
+            </a:schemeClr>
+          </a:solidFill>
+        </p:spPr>
+        <p:style>
+          <a:lnRef idx="2">
+            <a:schemeClr val="accent1">
+              <a:shade val="50000"/>
+            </a:schemeClr>
+          </a:lnRef>
+          <a:fillRef idx="1">
+            <a:schemeClr val="accent1"/>
+          </a:fillRef>
+          <a:effectRef idx="0">
+            <a:schemeClr val="accent1"/>
+          </a:effectRef>
+          <a:fontRef idx="minor">
+            <a:schemeClr val="lt1"/>
+          </a:fontRef>
+        </p:style>
+        <p:txBody>
+          <a:bodyPr rtlCol="0" anchor="ctr"/>
+          <a:lstStyle/>
+          <a:p>
+            <a:pPr algn="ctr"/>
+            <a:r>
+              <a:rPr lang="en-US" altLang="ko-KR" dirty="0"/>
+              <a:t>Scenario</a:t>
+            </a:r>
+            <a:endParaRPr lang="ko-KR" altLang="en-US" dirty="0"/>
+          </a:p>
+        </p:txBody>
+      </p:sp>
+      <p:sp>
+        <p:nvSpPr>
+          <p:cNvPr id="13" name="직사각형 12">
+            <a:extLst>
+              <a:ext uri="{FF2B5EF4-FFF2-40B4-BE49-F238E27FC236}">
+                <a16:creationId xmlns:a16="http://schemas.microsoft.com/office/drawing/2014/main" id="{832FD799-AF1E-4F6E-A4DE-CE9252A39DC0}"/>
+              </a:ext>
+            </a:extLst>
+          </p:cNvPr>
+          <p:cNvSpPr/>
+          <p:nvPr/>
+        </p:nvSpPr>
+        <p:spPr>
+          <a:xfrm>
+            <a:off x="7526551" y="2627790"/>
+            <a:ext cx="1979720" cy="801210"/>
+          </a:xfrm>
+          <a:prstGeom prst="rect">
+            <a:avLst/>
+          </a:prstGeom>
+          <a:solidFill>
+            <a:schemeClr val="accent1">
+              <a:alpha val="50000"/>
+            </a:schemeClr>
+          </a:solidFill>
+        </p:spPr>
+        <p:style>
+          <a:lnRef idx="2">
+            <a:schemeClr val="accent1">
+              <a:shade val="50000"/>
+            </a:schemeClr>
+          </a:lnRef>
+          <a:fillRef idx="1">
+            <a:schemeClr val="accent1"/>
+          </a:fillRef>
+          <a:effectRef idx="0">
+            <a:schemeClr val="accent1"/>
+          </a:effectRef>
+          <a:fontRef idx="minor">
+            <a:schemeClr val="lt1"/>
+          </a:fontRef>
+        </p:style>
+        <p:txBody>
+          <a:bodyPr rtlCol="0" anchor="ctr"/>
+          <a:lstStyle/>
+          <a:p>
+            <a:pPr algn="ctr"/>
+            <a:r>
+              <a:rPr lang="en-US" altLang="ko-KR" dirty="0"/>
+              <a:t>Run Command</a:t>
+            </a:r>
+            <a:endParaRPr lang="ko-KR" altLang="en-US" dirty="0"/>
+          </a:p>
+        </p:txBody>
+      </p:sp>
+      <p:sp>
+        <p:nvSpPr>
+          <p:cNvPr id="16" name="TextBox 15">
+            <a:extLst>
+              <a:ext uri="{FF2B5EF4-FFF2-40B4-BE49-F238E27FC236}">
+                <a16:creationId xmlns:a16="http://schemas.microsoft.com/office/drawing/2014/main" id="{7AB159D7-71DA-426D-A539-0A7F42BD2FAE}"/>
+              </a:ext>
+            </a:extLst>
+          </p:cNvPr>
+          <p:cNvSpPr txBox="1"/>
+          <p:nvPr/>
+        </p:nvSpPr>
+        <p:spPr>
+          <a:xfrm>
+            <a:off x="736773" y="3246636"/>
+            <a:ext cx="1747594" cy="307777"/>
+          </a:xfrm>
+          <a:prstGeom prst="rect">
+            <a:avLst/>
+          </a:prstGeom>
+          <a:noFill/>
+        </p:spPr>
+        <p:txBody>
+          <a:bodyPr wrap="none" rtlCol="0">
+            <a:spAutoFit/>
+          </a:bodyPr>
+          <a:lstStyle/>
+          <a:p>
+            <a:r>
+              <a:rPr lang="en-US" altLang="ko-KR" dirty="0"/>
+              <a:t>Input: Console </a:t>
+            </a:r>
+            <a:r>
+              <a:rPr lang="ko-KR" altLang="en-US" dirty="0"/>
+              <a:t>입력</a:t>
+            </a:r>
+          </a:p>
+        </p:txBody>
+      </p:sp>
+      <p:pic>
+        <p:nvPicPr>
+          <p:cNvPr id="18" name="그림 17">
+            <a:extLst>
+              <a:ext uri="{FF2B5EF4-FFF2-40B4-BE49-F238E27FC236}">
+                <a16:creationId xmlns:a16="http://schemas.microsoft.com/office/drawing/2014/main" id="{B18785A5-F861-4230-9A60-C6CF9168C038}"/>
+              </a:ext>
+            </a:extLst>
+          </p:cNvPr>
+          <p:cNvPicPr>
+            <a:picLocks noChangeAspect="1"/>
+          </p:cNvPicPr>
+          <p:nvPr/>
+        </p:nvPicPr>
+        <p:blipFill rotWithShape="1">
+          <a:blip r:embed="rId3"/>
+          <a:srcRect r="64856"/>
+          <a:stretch/>
+        </p:blipFill>
+        <p:spPr>
+          <a:xfrm>
+            <a:off x="828846" y="1873834"/>
+            <a:ext cx="1563448" cy="1230000"/>
+          </a:xfrm>
+          <a:prstGeom prst="rect">
+            <a:avLst/>
+          </a:prstGeom>
+        </p:spPr>
+      </p:pic>
+      <p:sp>
+        <p:nvSpPr>
+          <p:cNvPr id="20" name="TextBox 19">
+            <a:extLst>
+              <a:ext uri="{FF2B5EF4-FFF2-40B4-BE49-F238E27FC236}">
+                <a16:creationId xmlns:a16="http://schemas.microsoft.com/office/drawing/2014/main" id="{BAF1CA68-0BEA-4C3D-B58F-5CB910AEB2E0}"/>
+              </a:ext>
+            </a:extLst>
+          </p:cNvPr>
+          <p:cNvSpPr txBox="1"/>
+          <p:nvPr/>
+        </p:nvSpPr>
+        <p:spPr>
+          <a:xfrm>
+            <a:off x="671951" y="5595307"/>
+            <a:ext cx="1720343" cy="307777"/>
+          </a:xfrm>
+          <a:prstGeom prst="rect">
+            <a:avLst/>
+          </a:prstGeom>
+          <a:noFill/>
+        </p:spPr>
+        <p:txBody>
+          <a:bodyPr wrap="none" rtlCol="0">
+            <a:spAutoFit/>
+          </a:bodyPr>
+          <a:lstStyle/>
+          <a:p>
+            <a:r>
+              <a:rPr lang="en-US" altLang="ko-KR" dirty="0"/>
+              <a:t>CMD </a:t>
+            </a:r>
+            <a:r>
+              <a:rPr lang="ko-KR" altLang="en-US" dirty="0"/>
+              <a:t>시나리오수행</a:t>
+            </a:r>
+          </a:p>
+        </p:txBody>
+      </p:sp>
+      <p:sp>
+        <p:nvSpPr>
+          <p:cNvPr id="22" name="직사각형 21">
+            <a:extLst>
+              <a:ext uri="{FF2B5EF4-FFF2-40B4-BE49-F238E27FC236}">
+                <a16:creationId xmlns:a16="http://schemas.microsoft.com/office/drawing/2014/main" id="{6CE5E479-F208-4C9E-B72D-8C678DB0CDF5}"/>
+              </a:ext>
+            </a:extLst>
+          </p:cNvPr>
+          <p:cNvSpPr/>
+          <p:nvPr/>
+        </p:nvSpPr>
+        <p:spPr>
+          <a:xfrm>
+            <a:off x="4190198" y="3153808"/>
+            <a:ext cx="1226103" cy="801210"/>
+          </a:xfrm>
+          <a:prstGeom prst="rect">
+            <a:avLst/>
+          </a:prstGeom>
+        </p:spPr>
+        <p:style>
+          <a:lnRef idx="2">
+            <a:schemeClr val="accent1">
+              <a:shade val="50000"/>
+            </a:schemeClr>
+          </a:lnRef>
+          <a:fillRef idx="1">
+            <a:schemeClr val="accent1"/>
+          </a:fillRef>
+          <a:effectRef idx="0">
+            <a:schemeClr val="accent1"/>
+          </a:effectRef>
+          <a:fontRef idx="minor">
+            <a:schemeClr val="lt1"/>
+          </a:fontRef>
+        </p:style>
+        <p:txBody>
+          <a:bodyPr rtlCol="0" anchor="ctr"/>
+          <a:lstStyle/>
+          <a:p>
+            <a:pPr algn="ctr"/>
+            <a:r>
+              <a:rPr lang="en-US" altLang="ko-KR" dirty="0"/>
+              <a:t>Parsing</a:t>
+            </a:r>
+            <a:endParaRPr lang="ko-KR" altLang="en-US" dirty="0"/>
+          </a:p>
+        </p:txBody>
+      </p:sp>
+      <p:sp>
+        <p:nvSpPr>
+          <p:cNvPr id="25" name="직사각형 24">
+            <a:extLst>
+              <a:ext uri="{FF2B5EF4-FFF2-40B4-BE49-F238E27FC236}">
+                <a16:creationId xmlns:a16="http://schemas.microsoft.com/office/drawing/2014/main" id="{218FACCD-89E6-44E4-9024-1C3480BFD501}"/>
+              </a:ext>
+            </a:extLst>
+          </p:cNvPr>
+          <p:cNvSpPr/>
+          <p:nvPr/>
+        </p:nvSpPr>
+        <p:spPr>
+          <a:xfrm>
+            <a:off x="210651" y="1500075"/>
+            <a:ext cx="6019060" cy="4909885"/>
+          </a:xfrm>
+          <a:prstGeom prst="rect">
+            <a:avLst/>
+          </a:prstGeom>
+          <a:noFill/>
+        </p:spPr>
+        <p:style>
+          <a:lnRef idx="2">
+            <a:schemeClr val="accent1">
+              <a:shade val="50000"/>
+            </a:schemeClr>
+          </a:lnRef>
+          <a:fillRef idx="1">
+            <a:schemeClr val="accent1"/>
+          </a:fillRef>
+          <a:effectRef idx="0">
+            <a:schemeClr val="accent1"/>
+          </a:effectRef>
+          <a:fontRef idx="minor">
+            <a:schemeClr val="lt1"/>
+          </a:fontRef>
+        </p:style>
+        <p:txBody>
+          <a:bodyPr rtlCol="0" anchor="ctr"/>
+          <a:lstStyle/>
+          <a:p>
+            <a:pPr algn="ctr"/>
+            <a:endParaRPr lang="ko-KR" altLang="en-US"/>
+          </a:p>
+        </p:txBody>
+      </p:sp>
+      <p:pic>
+        <p:nvPicPr>
+          <p:cNvPr id="24" name="그림 23">
+            <a:extLst>
+              <a:ext uri="{FF2B5EF4-FFF2-40B4-BE49-F238E27FC236}">
+                <a16:creationId xmlns:a16="http://schemas.microsoft.com/office/drawing/2014/main" id="{64A61961-82F2-487B-9644-48107D813E17}"/>
+              </a:ext>
+            </a:extLst>
+          </p:cNvPr>
+          <p:cNvPicPr>
+            <a:picLocks noChangeAspect="1"/>
+          </p:cNvPicPr>
+          <p:nvPr/>
+        </p:nvPicPr>
+        <p:blipFill rotWithShape="1">
+          <a:blip r:embed="rId4"/>
+          <a:srcRect l="27994"/>
+          <a:stretch/>
+        </p:blipFill>
+        <p:spPr>
+          <a:xfrm>
+            <a:off x="454530" y="4167911"/>
+            <a:ext cx="2514330" cy="1271194"/>
+          </a:xfrm>
+          <a:prstGeom prst="rect">
+            <a:avLst/>
+          </a:prstGeom>
+        </p:spPr>
+      </p:pic>
+      <p:cxnSp>
+        <p:nvCxnSpPr>
+          <p:cNvPr id="27" name="직선 화살표 연결선 26">
+            <a:extLst>
+              <a:ext uri="{FF2B5EF4-FFF2-40B4-BE49-F238E27FC236}">
+                <a16:creationId xmlns:a16="http://schemas.microsoft.com/office/drawing/2014/main" id="{9BB69E38-7197-412B-9217-484F014C5D86}"/>
+              </a:ext>
+            </a:extLst>
+          </p:cNvPr>
+          <p:cNvCxnSpPr/>
+          <p:nvPr/>
+        </p:nvCxnSpPr>
+        <p:spPr>
+          <a:xfrm>
+            <a:off x="2681056" y="2627790"/>
+            <a:ext cx="1198486" cy="801210"/>
+          </a:xfrm>
+          <a:prstGeom prst="straightConnector1">
+            <a:avLst/>
+          </a:prstGeom>
+          <a:ln>
+            <a:tailEnd type="triangle"/>
+          </a:ln>
+        </p:spPr>
+        <p:style>
+          <a:lnRef idx="1">
+            <a:schemeClr val="accent1"/>
+          </a:lnRef>
+          <a:fillRef idx="0">
+            <a:schemeClr val="accent1"/>
+          </a:fillRef>
+          <a:effectRef idx="0">
+            <a:schemeClr val="accent1"/>
+          </a:effectRef>
+          <a:fontRef idx="minor">
+            <a:schemeClr val="tx1"/>
+          </a:fontRef>
+        </p:style>
+      </p:cxnSp>
+      <p:cxnSp>
+        <p:nvCxnSpPr>
+          <p:cNvPr id="29" name="직선 화살표 연결선 28">
+            <a:extLst>
+              <a:ext uri="{FF2B5EF4-FFF2-40B4-BE49-F238E27FC236}">
+                <a16:creationId xmlns:a16="http://schemas.microsoft.com/office/drawing/2014/main" id="{41F2BEE1-767B-4619-8298-F4B28D6A70CD}"/>
+              </a:ext>
+            </a:extLst>
+          </p:cNvPr>
+          <p:cNvCxnSpPr/>
+          <p:nvPr/>
+        </p:nvCxnSpPr>
+        <p:spPr>
+          <a:xfrm flipV="1">
+            <a:off x="3236273" y="3773010"/>
+            <a:ext cx="678645" cy="1116024"/>
+          </a:xfrm>
+          <a:prstGeom prst="straightConnector1">
+            <a:avLst/>
+          </a:prstGeom>
+          <a:ln>
+            <a:tailEnd type="triangle"/>
+          </a:ln>
+        </p:spPr>
+        <p:style>
+          <a:lnRef idx="1">
+            <a:schemeClr val="accent1"/>
+          </a:lnRef>
+          <a:fillRef idx="0">
+            <a:schemeClr val="accent1"/>
+          </a:fillRef>
+          <a:effectRef idx="0">
+            <a:schemeClr val="accent1"/>
+          </a:effectRef>
+          <a:fontRef idx="minor">
+            <a:schemeClr val="tx1"/>
+          </a:fontRef>
+        </p:style>
+      </p:cxnSp>
+      <p:cxnSp>
+        <p:nvCxnSpPr>
+          <p:cNvPr id="31" name="직선 화살표 연결선 30">
+            <a:extLst>
+              <a:ext uri="{FF2B5EF4-FFF2-40B4-BE49-F238E27FC236}">
+                <a16:creationId xmlns:a16="http://schemas.microsoft.com/office/drawing/2014/main" id="{F2F3BCC2-3BC5-4351-98A3-109C47E8D2A8}"/>
+              </a:ext>
+            </a:extLst>
+          </p:cNvPr>
+          <p:cNvCxnSpPr/>
+          <p:nvPr/>
+        </p:nvCxnSpPr>
+        <p:spPr>
+          <a:xfrm flipV="1">
+            <a:off x="5532333" y="3065656"/>
+            <a:ext cx="1816277" cy="394901"/>
+          </a:xfrm>
+          <a:prstGeom prst="straightConnector1">
+            <a:avLst/>
+          </a:prstGeom>
+          <a:ln>
+            <a:tailEnd type="triangle"/>
+          </a:ln>
+        </p:spPr>
+        <p:style>
+          <a:lnRef idx="1">
+            <a:schemeClr val="accent1"/>
+          </a:lnRef>
+          <a:fillRef idx="0">
+            <a:schemeClr val="accent1"/>
+          </a:fillRef>
+          <a:effectRef idx="0">
+            <a:schemeClr val="accent1"/>
+          </a:effectRef>
+          <a:fontRef idx="minor">
+            <a:schemeClr val="tx1"/>
+          </a:fontRef>
+        </p:style>
+      </p:cxnSp>
+      <p:cxnSp>
+        <p:nvCxnSpPr>
+          <p:cNvPr id="33" name="직선 화살표 연결선 32">
+            <a:extLst>
+              <a:ext uri="{FF2B5EF4-FFF2-40B4-BE49-F238E27FC236}">
+                <a16:creationId xmlns:a16="http://schemas.microsoft.com/office/drawing/2014/main" id="{6B7CF674-43D0-4E3C-96BF-1BB01E9E2DEA}"/>
+              </a:ext>
+            </a:extLst>
+          </p:cNvPr>
+          <p:cNvCxnSpPr/>
+          <p:nvPr/>
+        </p:nvCxnSpPr>
+        <p:spPr>
+          <a:xfrm>
+            <a:off x="5585373" y="3684233"/>
+            <a:ext cx="1800848" cy="1204801"/>
+          </a:xfrm>
+          <a:prstGeom prst="straightConnector1">
+            <a:avLst/>
+          </a:prstGeom>
+          <a:ln>
+            <a:tailEnd type="triangle"/>
+          </a:ln>
+        </p:spPr>
+        <p:style>
+          <a:lnRef idx="1">
+            <a:schemeClr val="accent1"/>
+          </a:lnRef>
+          <a:fillRef idx="0">
+            <a:schemeClr val="accent1"/>
+          </a:fillRef>
+          <a:effectRef idx="0">
+            <a:schemeClr val="accent1"/>
+          </a:effectRef>
+          <a:fontRef idx="minor">
+            <a:schemeClr val="tx1"/>
+          </a:fontRef>
+        </p:style>
+      </p:cxnSp>
+      <p:sp>
+        <p:nvSpPr>
+          <p:cNvPr id="34" name="TextBox 33">
+            <a:extLst>
+              <a:ext uri="{FF2B5EF4-FFF2-40B4-BE49-F238E27FC236}">
+                <a16:creationId xmlns:a16="http://schemas.microsoft.com/office/drawing/2014/main" id="{6195A80B-A308-4BE5-AE75-FFDADC035FEC}"/>
+              </a:ext>
+            </a:extLst>
+          </p:cNvPr>
+          <p:cNvSpPr txBox="1"/>
+          <p:nvPr/>
+        </p:nvSpPr>
+        <p:spPr>
+          <a:xfrm>
+            <a:off x="4020940" y="4070544"/>
+            <a:ext cx="2744662" cy="954107"/>
+          </a:xfrm>
+          <a:prstGeom prst="rect">
+            <a:avLst/>
+          </a:prstGeom>
+          <a:noFill/>
+        </p:spPr>
+        <p:txBody>
+          <a:bodyPr wrap="none" rtlCol="0">
+            <a:spAutoFit/>
+          </a:bodyPr>
+          <a:lstStyle/>
+          <a:p>
+            <a:r>
+              <a:rPr lang="ko-KR" altLang="en-US" dirty="0"/>
+              <a:t>입력 </a:t>
+            </a:r>
+            <a:r>
+              <a:rPr lang="en-US" altLang="ko-KR" dirty="0"/>
+              <a:t>Parsing </a:t>
+            </a:r>
+            <a:r>
+              <a:rPr lang="ko-KR" altLang="en-US" dirty="0"/>
+              <a:t>후</a:t>
+            </a:r>
+            <a:endParaRPr lang="en-US" altLang="ko-KR" dirty="0"/>
+          </a:p>
+          <a:p>
+            <a:r>
+              <a:rPr lang="en-US" altLang="ko-KR" dirty="0" err="1"/>
+              <a:t>ShellCommand</a:t>
+            </a:r>
+            <a:r>
+              <a:rPr lang="en-US" altLang="ko-KR" dirty="0"/>
+              <a:t> </a:t>
+            </a:r>
+            <a:r>
+              <a:rPr lang="ko-KR" altLang="en-US" dirty="0"/>
+              <a:t>명령 수행</a:t>
+            </a:r>
+            <a:endParaRPr lang="en-US" altLang="ko-KR" dirty="0"/>
+          </a:p>
+          <a:p>
+            <a:r>
+              <a:rPr lang="ko-KR" altLang="en-US" dirty="0"/>
+              <a:t>또는</a:t>
+            </a:r>
+            <a:endParaRPr lang="en-US" altLang="ko-KR" dirty="0"/>
+          </a:p>
+          <a:p>
+            <a:r>
+              <a:rPr lang="en-US" altLang="ko-KR" dirty="0"/>
+              <a:t>Runner</a:t>
+            </a:r>
+            <a:r>
+              <a:rPr lang="ko-KR" altLang="en-US" dirty="0"/>
+              <a:t>를 통한 </a:t>
+            </a:r>
+            <a:r>
+              <a:rPr lang="en-US" altLang="ko-KR" dirty="0"/>
+              <a:t>Application </a:t>
+            </a:r>
+            <a:r>
+              <a:rPr lang="ko-KR" altLang="en-US" dirty="0"/>
+              <a:t>실행 </a:t>
+            </a:r>
           </a:p>
         </p:txBody>
       </p:sp>
     </p:spTree>
     <p:extLst>
       <p:ext uri="{BB962C8B-B14F-4D97-AF65-F5344CB8AC3E}">
-        <p14:creationId xmlns:p14="http://schemas.microsoft.com/office/powerpoint/2010/main" val="2669016597"/>
+        <p14:creationId xmlns:p14="http://schemas.microsoft.com/office/powerpoint/2010/main" val="2246789167"/>
       </p:ext>
     </p:extLst>
   </p:cSld>
@@ -6363,7 +9603,7 @@
   <p:cSld>
     <p:spTree>
       <p:nvGrpSpPr>
-        <p:cNvPr id="1" name="Shape 64"/>
+        <p:cNvPr id="1" name="Shape 58"/>
         <p:cNvGrpSpPr/>
         <p:nvPr/>
       </p:nvGrpSpPr>
@@ -6375,7 +9615,1405 @@
           <a:chExt cx="0" cy="0"/>
         </a:xfrm>
       </p:grpSpPr>
+      <p:sp>
+        <p:nvSpPr>
+          <p:cNvPr id="59" name="Google Shape;59;p3"/>
+          <p:cNvSpPr txBox="1">
+            <a:spLocks noGrp="1"/>
+          </p:cNvSpPr>
+          <p:nvPr>
+            <p:ph type="title"/>
+          </p:nvPr>
+        </p:nvSpPr>
+        <p:spPr>
+          <a:xfrm>
+            <a:off x="605980" y="310143"/>
+            <a:ext cx="10515600" cy="649800"/>
+          </a:xfrm>
+          <a:prstGeom prst="rect">
+            <a:avLst/>
+          </a:prstGeom>
+          <a:noFill/>
+          <a:ln>
+            <a:noFill/>
+          </a:ln>
+        </p:spPr>
+        <p:txBody>
+          <a:bodyPr spcFirstLastPara="1" wrap="square" lIns="91425" tIns="45700" rIns="91425" bIns="45700" anchor="ctr" anchorCtr="0">
+            <a:normAutofit fontScale="90000"/>
+          </a:bodyPr>
+          <a:lstStyle/>
+          <a:p>
+            <a:pPr>
+              <a:buSzPts val="4400"/>
+            </a:pPr>
+            <a:r>
+              <a:rPr lang="en-US" altLang="ko-KR" dirty="0"/>
+              <a:t>Runner</a:t>
+            </a:r>
+            <a:r>
+              <a:rPr lang="ko-KR" altLang="en-US" dirty="0"/>
+              <a:t> </a:t>
+            </a:r>
+            <a:r>
+              <a:rPr lang="en-US" altLang="ko-KR" dirty="0"/>
+              <a:t>&amp;</a:t>
+            </a:r>
+            <a:r>
+              <a:rPr lang="ko-KR" altLang="en-US" dirty="0"/>
+              <a:t> </a:t>
+            </a:r>
+            <a:r>
+              <a:rPr lang="en-US" altLang="ko-KR" dirty="0"/>
+              <a:t>Application </a:t>
+            </a:r>
+            <a:r>
+              <a:rPr lang="ko-KR" altLang="en-US" dirty="0"/>
+              <a:t>구현 소개</a:t>
+            </a:r>
+          </a:p>
+        </p:txBody>
+      </p:sp>
+      <p:sp>
+        <p:nvSpPr>
+          <p:cNvPr id="7" name="직사각형 6">
+            <a:extLst>
+              <a:ext uri="{FF2B5EF4-FFF2-40B4-BE49-F238E27FC236}">
+                <a16:creationId xmlns:a16="http://schemas.microsoft.com/office/drawing/2014/main" id="{D68AED07-584F-4DDD-AFB4-E70DCE2A607A}"/>
+              </a:ext>
+            </a:extLst>
+          </p:cNvPr>
+          <p:cNvSpPr/>
+          <p:nvPr/>
+        </p:nvSpPr>
+        <p:spPr>
+          <a:xfrm>
+            <a:off x="273494" y="1394426"/>
+            <a:ext cx="4942742" cy="2681192"/>
+          </a:xfrm>
+          <a:prstGeom prst="rect">
+            <a:avLst/>
+          </a:prstGeom>
+          <a:noFill/>
+        </p:spPr>
+        <p:style>
+          <a:lnRef idx="2">
+            <a:schemeClr val="accent1">
+              <a:shade val="50000"/>
+            </a:schemeClr>
+          </a:lnRef>
+          <a:fillRef idx="1">
+            <a:schemeClr val="accent1"/>
+          </a:fillRef>
+          <a:effectRef idx="0">
+            <a:schemeClr val="accent1"/>
+          </a:effectRef>
+          <a:fontRef idx="minor">
+            <a:schemeClr val="lt1"/>
+          </a:fontRef>
+        </p:style>
+        <p:txBody>
+          <a:bodyPr rtlCol="0" anchor="ctr"/>
+          <a:lstStyle/>
+          <a:p>
+            <a:pPr algn="ctr"/>
+            <a:endParaRPr lang="ko-KR" altLang="en-US" dirty="0"/>
+          </a:p>
+        </p:txBody>
+      </p:sp>
+      <p:sp>
+        <p:nvSpPr>
+          <p:cNvPr id="9" name="직사각형 8">
+            <a:extLst>
+              <a:ext uri="{FF2B5EF4-FFF2-40B4-BE49-F238E27FC236}">
+                <a16:creationId xmlns:a16="http://schemas.microsoft.com/office/drawing/2014/main" id="{276F87CF-FB45-4661-BC25-BB13704AF4F2}"/>
+              </a:ext>
+            </a:extLst>
+          </p:cNvPr>
+          <p:cNvSpPr/>
+          <p:nvPr/>
+        </p:nvSpPr>
+        <p:spPr>
+          <a:xfrm>
+            <a:off x="1097634" y="2185090"/>
+            <a:ext cx="1396182" cy="298646"/>
+          </a:xfrm>
+          <a:prstGeom prst="rect">
+            <a:avLst/>
+          </a:prstGeom>
+          <a:solidFill>
+            <a:schemeClr val="accent1"/>
+          </a:solidFill>
+        </p:spPr>
+        <p:style>
+          <a:lnRef idx="2">
+            <a:schemeClr val="accent1">
+              <a:shade val="50000"/>
+            </a:schemeClr>
+          </a:lnRef>
+          <a:fillRef idx="1">
+            <a:schemeClr val="accent1"/>
+          </a:fillRef>
+          <a:effectRef idx="0">
+            <a:schemeClr val="accent1"/>
+          </a:effectRef>
+          <a:fontRef idx="minor">
+            <a:schemeClr val="lt1"/>
+          </a:fontRef>
+        </p:style>
+        <p:txBody>
+          <a:bodyPr rtlCol="0" anchor="ctr"/>
+          <a:lstStyle/>
+          <a:p>
+            <a:pPr algn="ctr"/>
+            <a:r>
+              <a:rPr lang="en-US" altLang="ko-KR" dirty="0" err="1"/>
+              <a:t>TestApplication</a:t>
+            </a:r>
+            <a:endParaRPr lang="ko-KR" altLang="en-US" dirty="0"/>
+          </a:p>
+        </p:txBody>
+      </p:sp>
+      <p:sp>
+        <p:nvSpPr>
+          <p:cNvPr id="10" name="직사각형 9">
+            <a:extLst>
+              <a:ext uri="{FF2B5EF4-FFF2-40B4-BE49-F238E27FC236}">
+                <a16:creationId xmlns:a16="http://schemas.microsoft.com/office/drawing/2014/main" id="{D5480C72-CC52-4CAB-B7A7-E0CFAF2407C5}"/>
+              </a:ext>
+            </a:extLst>
+          </p:cNvPr>
+          <p:cNvSpPr/>
+          <p:nvPr/>
+        </p:nvSpPr>
+        <p:spPr>
+          <a:xfrm>
+            <a:off x="1097634" y="2632392"/>
+            <a:ext cx="1396182" cy="298646"/>
+          </a:xfrm>
+          <a:prstGeom prst="rect">
+            <a:avLst/>
+          </a:prstGeom>
+          <a:solidFill>
+            <a:schemeClr val="accent1"/>
+          </a:solidFill>
+        </p:spPr>
+        <p:style>
+          <a:lnRef idx="2">
+            <a:schemeClr val="accent1">
+              <a:shade val="50000"/>
+            </a:schemeClr>
+          </a:lnRef>
+          <a:fillRef idx="1">
+            <a:schemeClr val="accent1"/>
+          </a:fillRef>
+          <a:effectRef idx="0">
+            <a:schemeClr val="accent1"/>
+          </a:effectRef>
+          <a:fontRef idx="minor">
+            <a:schemeClr val="lt1"/>
+          </a:fontRef>
+        </p:style>
+        <p:txBody>
+          <a:bodyPr rtlCol="0" anchor="ctr"/>
+          <a:lstStyle/>
+          <a:p>
+            <a:pPr algn="ctr"/>
+            <a:r>
+              <a:rPr lang="en-US" altLang="ko-KR" dirty="0"/>
+              <a:t>Test App1</a:t>
+            </a:r>
+            <a:endParaRPr lang="ko-KR" altLang="en-US" dirty="0"/>
+          </a:p>
+        </p:txBody>
+      </p:sp>
+      <p:sp>
+        <p:nvSpPr>
+          <p:cNvPr id="11" name="직사각형 10">
+            <a:extLst>
+              <a:ext uri="{FF2B5EF4-FFF2-40B4-BE49-F238E27FC236}">
+                <a16:creationId xmlns:a16="http://schemas.microsoft.com/office/drawing/2014/main" id="{C0BDAD69-DBB3-4C7A-9737-119172F438A4}"/>
+              </a:ext>
+            </a:extLst>
+          </p:cNvPr>
+          <p:cNvSpPr/>
+          <p:nvPr/>
+        </p:nvSpPr>
+        <p:spPr>
+          <a:xfrm>
+            <a:off x="1097634" y="3065089"/>
+            <a:ext cx="1396182" cy="298646"/>
+          </a:xfrm>
+          <a:prstGeom prst="rect">
+            <a:avLst/>
+          </a:prstGeom>
+          <a:solidFill>
+            <a:schemeClr val="accent1"/>
+          </a:solidFill>
+        </p:spPr>
+        <p:style>
+          <a:lnRef idx="2">
+            <a:schemeClr val="accent1">
+              <a:shade val="50000"/>
+            </a:schemeClr>
+          </a:lnRef>
+          <a:fillRef idx="1">
+            <a:schemeClr val="accent1"/>
+          </a:fillRef>
+          <a:effectRef idx="0">
+            <a:schemeClr val="accent1"/>
+          </a:effectRef>
+          <a:fontRef idx="minor">
+            <a:schemeClr val="lt1"/>
+          </a:fontRef>
+        </p:style>
+        <p:txBody>
+          <a:bodyPr rtlCol="0" anchor="ctr"/>
+          <a:lstStyle/>
+          <a:p>
+            <a:pPr algn="ctr"/>
+            <a:r>
+              <a:rPr lang="en-US" altLang="ko-KR" dirty="0"/>
+              <a:t>Test App2</a:t>
+            </a:r>
+            <a:endParaRPr lang="ko-KR" altLang="en-US" dirty="0"/>
+          </a:p>
+        </p:txBody>
+      </p:sp>
+      <p:sp>
+        <p:nvSpPr>
+          <p:cNvPr id="12" name="직사각형 11">
+            <a:extLst>
+              <a:ext uri="{FF2B5EF4-FFF2-40B4-BE49-F238E27FC236}">
+                <a16:creationId xmlns:a16="http://schemas.microsoft.com/office/drawing/2014/main" id="{A39B8C0D-B974-4C27-9432-BD590D05917C}"/>
+              </a:ext>
+            </a:extLst>
+          </p:cNvPr>
+          <p:cNvSpPr/>
+          <p:nvPr/>
+        </p:nvSpPr>
+        <p:spPr>
+          <a:xfrm>
+            <a:off x="1097634" y="3497786"/>
+            <a:ext cx="1396182" cy="298646"/>
+          </a:xfrm>
+          <a:prstGeom prst="rect">
+            <a:avLst/>
+          </a:prstGeom>
+          <a:solidFill>
+            <a:schemeClr val="accent1"/>
+          </a:solidFill>
+        </p:spPr>
+        <p:style>
+          <a:lnRef idx="2">
+            <a:schemeClr val="accent1">
+              <a:shade val="50000"/>
+            </a:schemeClr>
+          </a:lnRef>
+          <a:fillRef idx="1">
+            <a:schemeClr val="accent1"/>
+          </a:fillRef>
+          <a:effectRef idx="0">
+            <a:schemeClr val="accent1"/>
+          </a:effectRef>
+          <a:fontRef idx="minor">
+            <a:schemeClr val="lt1"/>
+          </a:fontRef>
+        </p:style>
+        <p:txBody>
+          <a:bodyPr rtlCol="0" anchor="ctr"/>
+          <a:lstStyle/>
+          <a:p>
+            <a:pPr algn="ctr"/>
+            <a:r>
+              <a:rPr lang="en-US" altLang="ko-KR" dirty="0"/>
+              <a:t>Scenario App..</a:t>
+            </a:r>
+            <a:endParaRPr lang="ko-KR" altLang="en-US" dirty="0"/>
+          </a:p>
+        </p:txBody>
+      </p:sp>
+      <p:sp>
+        <p:nvSpPr>
+          <p:cNvPr id="21" name="직사각형 20">
+            <a:extLst>
+              <a:ext uri="{FF2B5EF4-FFF2-40B4-BE49-F238E27FC236}">
+                <a16:creationId xmlns:a16="http://schemas.microsoft.com/office/drawing/2014/main" id="{3875F5F4-1124-45B1-89D4-D474CBE2D123}"/>
+              </a:ext>
+            </a:extLst>
+          </p:cNvPr>
+          <p:cNvSpPr/>
+          <p:nvPr/>
+        </p:nvSpPr>
+        <p:spPr>
+          <a:xfrm>
+            <a:off x="625995" y="1709761"/>
+            <a:ext cx="1396182" cy="298646"/>
+          </a:xfrm>
+          <a:prstGeom prst="rect">
+            <a:avLst/>
+          </a:prstGeom>
+          <a:solidFill>
+            <a:schemeClr val="accent1"/>
+          </a:solidFill>
+        </p:spPr>
+        <p:style>
+          <a:lnRef idx="2">
+            <a:schemeClr val="accent1">
+              <a:shade val="50000"/>
+            </a:schemeClr>
+          </a:lnRef>
+          <a:fillRef idx="1">
+            <a:schemeClr val="accent1"/>
+          </a:fillRef>
+          <a:effectRef idx="0">
+            <a:schemeClr val="accent1"/>
+          </a:effectRef>
+          <a:fontRef idx="minor">
+            <a:schemeClr val="lt1"/>
+          </a:fontRef>
+        </p:style>
+        <p:txBody>
+          <a:bodyPr rtlCol="0" anchor="ctr"/>
+          <a:lstStyle/>
+          <a:p>
+            <a:pPr algn="ctr"/>
+            <a:r>
+              <a:rPr lang="en-US" altLang="ko-KR" dirty="0"/>
+              <a:t>App Factory</a:t>
+            </a:r>
+            <a:endParaRPr lang="ko-KR" altLang="en-US" dirty="0"/>
+          </a:p>
+        </p:txBody>
+      </p:sp>
+      <p:sp>
+        <p:nvSpPr>
+          <p:cNvPr id="2" name="TextBox 1">
+            <a:extLst>
+              <a:ext uri="{FF2B5EF4-FFF2-40B4-BE49-F238E27FC236}">
+                <a16:creationId xmlns:a16="http://schemas.microsoft.com/office/drawing/2014/main" id="{B2694D26-2907-4997-A804-D0C77C6C538A}"/>
+              </a:ext>
+            </a:extLst>
+          </p:cNvPr>
+          <p:cNvSpPr txBox="1"/>
+          <p:nvPr/>
+        </p:nvSpPr>
+        <p:spPr>
+          <a:xfrm>
+            <a:off x="223985" y="1116824"/>
+            <a:ext cx="771365" cy="307777"/>
+          </a:xfrm>
+          <a:prstGeom prst="rect">
+            <a:avLst/>
+          </a:prstGeom>
+          <a:noFill/>
+        </p:spPr>
+        <p:txBody>
+          <a:bodyPr wrap="none" rtlCol="0">
+            <a:spAutoFit/>
+          </a:bodyPr>
+          <a:lstStyle/>
+          <a:p>
+            <a:r>
+              <a:rPr lang="en-US" altLang="ko-KR" dirty="0"/>
+              <a:t>Runner</a:t>
+            </a:r>
+            <a:endParaRPr lang="ko-KR" altLang="en-US" dirty="0"/>
+          </a:p>
+        </p:txBody>
+      </p:sp>
+      <p:sp>
+        <p:nvSpPr>
+          <p:cNvPr id="23" name="TextBox 22">
+            <a:extLst>
+              <a:ext uri="{FF2B5EF4-FFF2-40B4-BE49-F238E27FC236}">
+                <a16:creationId xmlns:a16="http://schemas.microsoft.com/office/drawing/2014/main" id="{EDEEAAA5-50DD-46CC-8B73-64C2070C14B2}"/>
+              </a:ext>
+            </a:extLst>
+          </p:cNvPr>
+          <p:cNvSpPr txBox="1"/>
+          <p:nvPr/>
+        </p:nvSpPr>
+        <p:spPr>
+          <a:xfrm>
+            <a:off x="318327" y="4564988"/>
+            <a:ext cx="3191899" cy="738664"/>
+          </a:xfrm>
+          <a:prstGeom prst="rect">
+            <a:avLst/>
+          </a:prstGeom>
+          <a:noFill/>
+        </p:spPr>
+        <p:txBody>
+          <a:bodyPr wrap="none" rtlCol="0">
+            <a:spAutoFit/>
+          </a:bodyPr>
+          <a:lstStyle/>
+          <a:p>
+            <a:pPr marL="285750" indent="-285750">
+              <a:buFont typeface="Arial" panose="020B0604020202020204" pitchFamily="34" charset="0"/>
+              <a:buChar char="•"/>
+            </a:pPr>
+            <a:r>
+              <a:rPr lang="en-US" altLang="ko-KR" dirty="0"/>
+              <a:t>App Factory</a:t>
+            </a:r>
+            <a:r>
+              <a:rPr lang="ko-KR" altLang="en-US" dirty="0"/>
+              <a:t>에서 </a:t>
+            </a:r>
+            <a:r>
+              <a:rPr lang="en-US" altLang="ko-KR" dirty="0"/>
+              <a:t>app </a:t>
+            </a:r>
+            <a:r>
+              <a:rPr lang="ko-KR" altLang="en-US" dirty="0"/>
+              <a:t>생성 및 등록</a:t>
+            </a:r>
+            <a:endParaRPr lang="en-US" altLang="ko-KR" dirty="0"/>
+          </a:p>
+          <a:p>
+            <a:pPr marL="285750" indent="-285750">
+              <a:buFont typeface="Arial" panose="020B0604020202020204" pitchFamily="34" charset="0"/>
+              <a:buChar char="•"/>
+            </a:pPr>
+            <a:r>
+              <a:rPr lang="en-US" altLang="ko-KR" dirty="0"/>
+              <a:t>Runner</a:t>
+            </a:r>
+            <a:r>
+              <a:rPr lang="ko-KR" altLang="en-US" dirty="0"/>
+              <a:t>의 </a:t>
+            </a:r>
+            <a:r>
+              <a:rPr lang="en-US" altLang="ko-KR" dirty="0"/>
+              <a:t>run</a:t>
+            </a:r>
+            <a:r>
+              <a:rPr lang="ko-KR" altLang="en-US" dirty="0"/>
+              <a:t>에서 </a:t>
+            </a:r>
+            <a:r>
+              <a:rPr lang="en-US" altLang="ko-KR" dirty="0"/>
+              <a:t>app</a:t>
+            </a:r>
+            <a:r>
+              <a:rPr lang="ko-KR" altLang="en-US" dirty="0"/>
+              <a:t>의 </a:t>
+            </a:r>
+            <a:r>
+              <a:rPr lang="en-US" altLang="ko-KR" dirty="0"/>
+              <a:t>run </a:t>
+            </a:r>
+            <a:r>
+              <a:rPr lang="ko-KR" altLang="en-US" dirty="0"/>
+              <a:t>수행</a:t>
+            </a:r>
+            <a:endParaRPr lang="en-US" altLang="ko-KR" dirty="0"/>
+          </a:p>
+          <a:p>
+            <a:pPr marL="285750" indent="-285750">
+              <a:buFont typeface="Arial" panose="020B0604020202020204" pitchFamily="34" charset="0"/>
+              <a:buChar char="•"/>
+            </a:pPr>
+            <a:r>
+              <a:rPr lang="ko-KR" altLang="en-US" dirty="0" err="1"/>
+              <a:t>다형성</a:t>
+            </a:r>
+            <a:r>
+              <a:rPr lang="ko-KR" altLang="en-US" dirty="0"/>
+              <a:t> 활용</a:t>
+            </a:r>
+          </a:p>
+        </p:txBody>
+      </p:sp>
+      <p:sp>
+        <p:nvSpPr>
+          <p:cNvPr id="26" name="직사각형 25">
+            <a:extLst>
+              <a:ext uri="{FF2B5EF4-FFF2-40B4-BE49-F238E27FC236}">
+                <a16:creationId xmlns:a16="http://schemas.microsoft.com/office/drawing/2014/main" id="{BCDC7359-EC63-4125-B18F-EC226B8734DC}"/>
+              </a:ext>
+            </a:extLst>
+          </p:cNvPr>
+          <p:cNvSpPr/>
+          <p:nvPr/>
+        </p:nvSpPr>
+        <p:spPr>
+          <a:xfrm>
+            <a:off x="3098156" y="1675265"/>
+            <a:ext cx="1396182" cy="298646"/>
+          </a:xfrm>
+          <a:prstGeom prst="rect">
+            <a:avLst/>
+          </a:prstGeom>
+          <a:solidFill>
+            <a:schemeClr val="accent1"/>
+          </a:solidFill>
+        </p:spPr>
+        <p:style>
+          <a:lnRef idx="2">
+            <a:schemeClr val="accent1">
+              <a:shade val="50000"/>
+            </a:schemeClr>
+          </a:lnRef>
+          <a:fillRef idx="1">
+            <a:schemeClr val="accent1"/>
+          </a:fillRef>
+          <a:effectRef idx="0">
+            <a:schemeClr val="accent1"/>
+          </a:effectRef>
+          <a:fontRef idx="minor">
+            <a:schemeClr val="lt1"/>
+          </a:fontRef>
+        </p:style>
+        <p:txBody>
+          <a:bodyPr rtlCol="0" anchor="ctr"/>
+          <a:lstStyle/>
+          <a:p>
+            <a:pPr algn="ctr"/>
+            <a:r>
+              <a:rPr lang="en-US" altLang="ko-KR" dirty="0"/>
+              <a:t>Runner</a:t>
+            </a:r>
+            <a:r>
+              <a:rPr lang="ko-KR" altLang="en-US" dirty="0"/>
+              <a:t> </a:t>
+            </a:r>
+            <a:r>
+              <a:rPr lang="en-US" altLang="ko-KR" dirty="0"/>
+              <a:t>Run</a:t>
+            </a:r>
+            <a:endParaRPr lang="ko-KR" altLang="en-US" dirty="0"/>
+          </a:p>
+        </p:txBody>
+      </p:sp>
+      <p:sp>
+        <p:nvSpPr>
+          <p:cNvPr id="28" name="직사각형 27">
+            <a:extLst>
+              <a:ext uri="{FF2B5EF4-FFF2-40B4-BE49-F238E27FC236}">
+                <a16:creationId xmlns:a16="http://schemas.microsoft.com/office/drawing/2014/main" id="{1C1048E0-C18E-48C3-89B9-DFB2486F6D3B}"/>
+              </a:ext>
+            </a:extLst>
+          </p:cNvPr>
+          <p:cNvSpPr/>
+          <p:nvPr/>
+        </p:nvSpPr>
+        <p:spPr>
+          <a:xfrm>
+            <a:off x="3510226" y="2185090"/>
+            <a:ext cx="1396182" cy="298646"/>
+          </a:xfrm>
+          <a:prstGeom prst="rect">
+            <a:avLst/>
+          </a:prstGeom>
+          <a:solidFill>
+            <a:schemeClr val="accent1"/>
+          </a:solidFill>
+        </p:spPr>
+        <p:style>
+          <a:lnRef idx="2">
+            <a:schemeClr val="accent1">
+              <a:shade val="50000"/>
+            </a:schemeClr>
+          </a:lnRef>
+          <a:fillRef idx="1">
+            <a:schemeClr val="accent1"/>
+          </a:fillRef>
+          <a:effectRef idx="0">
+            <a:schemeClr val="accent1"/>
+          </a:effectRef>
+          <a:fontRef idx="minor">
+            <a:schemeClr val="lt1"/>
+          </a:fontRef>
+        </p:style>
+        <p:txBody>
+          <a:bodyPr rtlCol="0" anchor="ctr"/>
+          <a:lstStyle/>
+          <a:p>
+            <a:pPr algn="ctr"/>
+            <a:r>
+              <a:rPr lang="en-US" altLang="ko-KR" dirty="0"/>
+              <a:t>App-&gt;Run </a:t>
+            </a:r>
+            <a:r>
+              <a:rPr lang="ko-KR" altLang="en-US" dirty="0"/>
+              <a:t>실행</a:t>
+            </a:r>
+          </a:p>
+        </p:txBody>
+      </p:sp>
+      <p:sp>
+        <p:nvSpPr>
+          <p:cNvPr id="32" name="직사각형 31">
+            <a:extLst>
+              <a:ext uri="{FF2B5EF4-FFF2-40B4-BE49-F238E27FC236}">
+                <a16:creationId xmlns:a16="http://schemas.microsoft.com/office/drawing/2014/main" id="{01BFCC00-E9D5-4C72-B1EC-E6E4EBA42583}"/>
+              </a:ext>
+            </a:extLst>
+          </p:cNvPr>
+          <p:cNvSpPr/>
+          <p:nvPr/>
+        </p:nvSpPr>
+        <p:spPr>
+          <a:xfrm>
+            <a:off x="7763674" y="1576481"/>
+            <a:ext cx="1396182" cy="298646"/>
+          </a:xfrm>
+          <a:prstGeom prst="rect">
+            <a:avLst/>
+          </a:prstGeom>
+          <a:solidFill>
+            <a:schemeClr val="accent1"/>
+          </a:solidFill>
+        </p:spPr>
+        <p:style>
+          <a:lnRef idx="2">
+            <a:schemeClr val="accent1">
+              <a:shade val="50000"/>
+            </a:schemeClr>
+          </a:lnRef>
+          <a:fillRef idx="1">
+            <a:schemeClr val="accent1"/>
+          </a:fillRef>
+          <a:effectRef idx="0">
+            <a:schemeClr val="accent1"/>
+          </a:effectRef>
+          <a:fontRef idx="minor">
+            <a:schemeClr val="lt1"/>
+          </a:fontRef>
+        </p:style>
+        <p:txBody>
+          <a:bodyPr rtlCol="0" anchor="ctr"/>
+          <a:lstStyle/>
+          <a:p>
+            <a:pPr algn="ctr"/>
+            <a:r>
+              <a:rPr lang="en-US" altLang="ko-KR" dirty="0" err="1"/>
+              <a:t>IApplication</a:t>
+            </a:r>
+            <a:endParaRPr lang="ko-KR" altLang="en-US" dirty="0"/>
+          </a:p>
+        </p:txBody>
+      </p:sp>
+      <p:sp>
+        <p:nvSpPr>
+          <p:cNvPr id="35" name="직사각형 34">
+            <a:extLst>
+              <a:ext uri="{FF2B5EF4-FFF2-40B4-BE49-F238E27FC236}">
+                <a16:creationId xmlns:a16="http://schemas.microsoft.com/office/drawing/2014/main" id="{9270DB87-9E8E-4A8C-B8C3-186427FA563C}"/>
+              </a:ext>
+            </a:extLst>
+          </p:cNvPr>
+          <p:cNvSpPr/>
+          <p:nvPr/>
+        </p:nvSpPr>
+        <p:spPr>
+          <a:xfrm>
+            <a:off x="5845332" y="2337238"/>
+            <a:ext cx="1396182" cy="298646"/>
+          </a:xfrm>
+          <a:prstGeom prst="rect">
+            <a:avLst/>
+          </a:prstGeom>
+          <a:solidFill>
+            <a:schemeClr val="accent1"/>
+          </a:solidFill>
+        </p:spPr>
+        <p:style>
+          <a:lnRef idx="2">
+            <a:schemeClr val="accent1">
+              <a:shade val="50000"/>
+            </a:schemeClr>
+          </a:lnRef>
+          <a:fillRef idx="1">
+            <a:schemeClr val="accent1"/>
+          </a:fillRef>
+          <a:effectRef idx="0">
+            <a:schemeClr val="accent1"/>
+          </a:effectRef>
+          <a:fontRef idx="minor">
+            <a:schemeClr val="lt1"/>
+          </a:fontRef>
+        </p:style>
+        <p:txBody>
+          <a:bodyPr rtlCol="0" anchor="ctr"/>
+          <a:lstStyle/>
+          <a:p>
+            <a:pPr algn="ctr"/>
+            <a:r>
+              <a:rPr lang="en-US" altLang="ko-KR" dirty="0" err="1"/>
+              <a:t>TestApplication</a:t>
+            </a:r>
+            <a:endParaRPr lang="ko-KR" altLang="en-US" dirty="0"/>
+          </a:p>
+        </p:txBody>
+      </p:sp>
+      <p:sp>
+        <p:nvSpPr>
+          <p:cNvPr id="36" name="직사각형 35">
+            <a:extLst>
+              <a:ext uri="{FF2B5EF4-FFF2-40B4-BE49-F238E27FC236}">
+                <a16:creationId xmlns:a16="http://schemas.microsoft.com/office/drawing/2014/main" id="{E95384CA-5914-4B7D-8AA1-90DA28B4D1E0}"/>
+              </a:ext>
+            </a:extLst>
+          </p:cNvPr>
+          <p:cNvSpPr/>
+          <p:nvPr/>
+        </p:nvSpPr>
+        <p:spPr>
+          <a:xfrm>
+            <a:off x="7380337" y="2337238"/>
+            <a:ext cx="1396182" cy="298646"/>
+          </a:xfrm>
+          <a:prstGeom prst="rect">
+            <a:avLst/>
+          </a:prstGeom>
+          <a:solidFill>
+            <a:schemeClr val="accent1"/>
+          </a:solidFill>
+        </p:spPr>
+        <p:style>
+          <a:lnRef idx="2">
+            <a:schemeClr val="accent1">
+              <a:shade val="50000"/>
+            </a:schemeClr>
+          </a:lnRef>
+          <a:fillRef idx="1">
+            <a:schemeClr val="accent1"/>
+          </a:fillRef>
+          <a:effectRef idx="0">
+            <a:schemeClr val="accent1"/>
+          </a:effectRef>
+          <a:fontRef idx="minor">
+            <a:schemeClr val="lt1"/>
+          </a:fontRef>
+        </p:style>
+        <p:txBody>
+          <a:bodyPr rtlCol="0" anchor="ctr"/>
+          <a:lstStyle/>
+          <a:p>
+            <a:pPr algn="ctr"/>
+            <a:r>
+              <a:rPr lang="en-US" altLang="ko-KR" dirty="0"/>
+              <a:t>Test App1</a:t>
+            </a:r>
+            <a:endParaRPr lang="ko-KR" altLang="en-US" dirty="0"/>
+          </a:p>
+        </p:txBody>
+      </p:sp>
+      <p:sp>
+        <p:nvSpPr>
+          <p:cNvPr id="37" name="직사각형 36">
+            <a:extLst>
+              <a:ext uri="{FF2B5EF4-FFF2-40B4-BE49-F238E27FC236}">
+                <a16:creationId xmlns:a16="http://schemas.microsoft.com/office/drawing/2014/main" id="{84A8D555-7F8B-4D3E-9839-0FCCDCF0D786}"/>
+              </a:ext>
+            </a:extLst>
+          </p:cNvPr>
+          <p:cNvSpPr/>
+          <p:nvPr/>
+        </p:nvSpPr>
+        <p:spPr>
+          <a:xfrm>
+            <a:off x="8915342" y="2326489"/>
+            <a:ext cx="1396182" cy="298646"/>
+          </a:xfrm>
+          <a:prstGeom prst="rect">
+            <a:avLst/>
+          </a:prstGeom>
+          <a:solidFill>
+            <a:schemeClr val="accent1"/>
+          </a:solidFill>
+        </p:spPr>
+        <p:style>
+          <a:lnRef idx="2">
+            <a:schemeClr val="accent1">
+              <a:shade val="50000"/>
+            </a:schemeClr>
+          </a:lnRef>
+          <a:fillRef idx="1">
+            <a:schemeClr val="accent1"/>
+          </a:fillRef>
+          <a:effectRef idx="0">
+            <a:schemeClr val="accent1"/>
+          </a:effectRef>
+          <a:fontRef idx="minor">
+            <a:schemeClr val="lt1"/>
+          </a:fontRef>
+        </p:style>
+        <p:txBody>
+          <a:bodyPr rtlCol="0" anchor="ctr"/>
+          <a:lstStyle/>
+          <a:p>
+            <a:pPr algn="ctr"/>
+            <a:r>
+              <a:rPr lang="en-US" altLang="ko-KR" dirty="0"/>
+              <a:t>Test App2</a:t>
+            </a:r>
+            <a:endParaRPr lang="ko-KR" altLang="en-US" dirty="0"/>
+          </a:p>
+        </p:txBody>
+      </p:sp>
+      <p:sp>
+        <p:nvSpPr>
+          <p:cNvPr id="38" name="직사각형 37">
+            <a:extLst>
+              <a:ext uri="{FF2B5EF4-FFF2-40B4-BE49-F238E27FC236}">
+                <a16:creationId xmlns:a16="http://schemas.microsoft.com/office/drawing/2014/main" id="{EF9274C5-72EF-4BB1-83E8-B3C01CD3C5D4}"/>
+              </a:ext>
+            </a:extLst>
+          </p:cNvPr>
+          <p:cNvSpPr/>
+          <p:nvPr/>
+        </p:nvSpPr>
+        <p:spPr>
+          <a:xfrm>
+            <a:off x="10428806" y="2337238"/>
+            <a:ext cx="1396182" cy="298646"/>
+          </a:xfrm>
+          <a:prstGeom prst="rect">
+            <a:avLst/>
+          </a:prstGeom>
+          <a:solidFill>
+            <a:schemeClr val="accent1"/>
+          </a:solidFill>
+        </p:spPr>
+        <p:style>
+          <a:lnRef idx="2">
+            <a:schemeClr val="accent1">
+              <a:shade val="50000"/>
+            </a:schemeClr>
+          </a:lnRef>
+          <a:fillRef idx="1">
+            <a:schemeClr val="accent1"/>
+          </a:fillRef>
+          <a:effectRef idx="0">
+            <a:schemeClr val="accent1"/>
+          </a:effectRef>
+          <a:fontRef idx="minor">
+            <a:schemeClr val="lt1"/>
+          </a:fontRef>
+        </p:style>
+        <p:txBody>
+          <a:bodyPr rtlCol="0" anchor="ctr"/>
+          <a:lstStyle/>
+          <a:p>
+            <a:pPr algn="ctr"/>
+            <a:r>
+              <a:rPr lang="en-US" altLang="ko-KR" dirty="0"/>
+              <a:t>Scenario App..</a:t>
+            </a:r>
+            <a:endParaRPr lang="ko-KR" altLang="en-US" dirty="0"/>
+          </a:p>
+        </p:txBody>
+      </p:sp>
+      <p:sp>
+        <p:nvSpPr>
+          <p:cNvPr id="4" name="TextBox 3">
+            <a:extLst>
+              <a:ext uri="{FF2B5EF4-FFF2-40B4-BE49-F238E27FC236}">
+                <a16:creationId xmlns:a16="http://schemas.microsoft.com/office/drawing/2014/main" id="{BCAFF8E4-E75C-48FD-A004-A7CB6BAF2204}"/>
+              </a:ext>
+            </a:extLst>
+          </p:cNvPr>
+          <p:cNvSpPr txBox="1"/>
+          <p:nvPr/>
+        </p:nvSpPr>
+        <p:spPr>
+          <a:xfrm>
+            <a:off x="6096000" y="2888497"/>
+            <a:ext cx="5480988" cy="1169551"/>
+          </a:xfrm>
+          <a:prstGeom prst="rect">
+            <a:avLst/>
+          </a:prstGeom>
+          <a:noFill/>
+        </p:spPr>
+        <p:txBody>
+          <a:bodyPr wrap="none" rtlCol="0">
+            <a:spAutoFit/>
+          </a:bodyPr>
+          <a:lstStyle/>
+          <a:p>
+            <a:r>
+              <a:rPr lang="en-US" altLang="ko-KR" dirty="0">
+                <a:solidFill>
+                  <a:srgbClr val="0000FF"/>
+                </a:solidFill>
+                <a:latin typeface="돋움체" panose="020B0609000101010101" pitchFamily="49" charset="-127"/>
+                <a:ea typeface="돋움체" panose="020B0609000101010101" pitchFamily="49" charset="-127"/>
+              </a:rPr>
+              <a:t>class</a:t>
+            </a:r>
+            <a:r>
+              <a:rPr lang="en-US" altLang="ko-KR" dirty="0">
+                <a:solidFill>
+                  <a:srgbClr val="000000"/>
+                </a:solidFill>
+                <a:latin typeface="돋움체" panose="020B0609000101010101" pitchFamily="49" charset="-127"/>
+                <a:ea typeface="돋움체" panose="020B0609000101010101" pitchFamily="49" charset="-127"/>
+              </a:rPr>
+              <a:t> </a:t>
+            </a:r>
+            <a:r>
+              <a:rPr lang="en-US" altLang="ko-KR" dirty="0" err="1">
+                <a:solidFill>
+                  <a:srgbClr val="2B91AF"/>
+                </a:solidFill>
+                <a:latin typeface="돋움체" panose="020B0609000101010101" pitchFamily="49" charset="-127"/>
+                <a:ea typeface="돋움체" panose="020B0609000101010101" pitchFamily="49" charset="-127"/>
+              </a:rPr>
+              <a:t>IApplication</a:t>
+            </a:r>
+            <a:endParaRPr lang="en-US" altLang="ko-KR" dirty="0">
+              <a:solidFill>
+                <a:srgbClr val="000000"/>
+              </a:solidFill>
+              <a:latin typeface="돋움체" panose="020B0609000101010101" pitchFamily="49" charset="-127"/>
+              <a:ea typeface="돋움체" panose="020B0609000101010101" pitchFamily="49" charset="-127"/>
+            </a:endParaRPr>
+          </a:p>
+          <a:p>
+            <a:r>
+              <a:rPr lang="en-US" altLang="ko-KR" dirty="0">
+                <a:solidFill>
+                  <a:srgbClr val="000000"/>
+                </a:solidFill>
+                <a:latin typeface="돋움체" panose="020B0609000101010101" pitchFamily="49" charset="-127"/>
+                <a:ea typeface="돋움체" panose="020B0609000101010101" pitchFamily="49" charset="-127"/>
+              </a:rPr>
+              <a:t>{</a:t>
+            </a:r>
+          </a:p>
+          <a:p>
+            <a:r>
+              <a:rPr lang="en-US" altLang="ko-KR" dirty="0">
+                <a:solidFill>
+                  <a:srgbClr val="0000FF"/>
+                </a:solidFill>
+                <a:latin typeface="돋움체" panose="020B0609000101010101" pitchFamily="49" charset="-127"/>
+                <a:ea typeface="돋움체" panose="020B0609000101010101" pitchFamily="49" charset="-127"/>
+              </a:rPr>
+              <a:t>public</a:t>
+            </a:r>
+            <a:r>
+              <a:rPr lang="en-US" altLang="ko-KR" dirty="0">
+                <a:solidFill>
+                  <a:srgbClr val="000000"/>
+                </a:solidFill>
+                <a:latin typeface="돋움체" panose="020B0609000101010101" pitchFamily="49" charset="-127"/>
+                <a:ea typeface="돋움체" panose="020B0609000101010101" pitchFamily="49" charset="-127"/>
+              </a:rPr>
+              <a:t>:</a:t>
+            </a:r>
+          </a:p>
+          <a:p>
+            <a:r>
+              <a:rPr lang="en-US" altLang="ko-KR" dirty="0">
+                <a:solidFill>
+                  <a:srgbClr val="0000FF"/>
+                </a:solidFill>
+                <a:latin typeface="돋움체" panose="020B0609000101010101" pitchFamily="49" charset="-127"/>
+                <a:ea typeface="돋움체" panose="020B0609000101010101" pitchFamily="49" charset="-127"/>
+              </a:rPr>
+              <a:t>virtual</a:t>
+            </a:r>
+            <a:r>
+              <a:rPr lang="en-US" altLang="ko-KR" dirty="0">
+                <a:solidFill>
+                  <a:srgbClr val="000000"/>
+                </a:solidFill>
+                <a:latin typeface="돋움체" panose="020B0609000101010101" pitchFamily="49" charset="-127"/>
+                <a:ea typeface="돋움체" panose="020B0609000101010101" pitchFamily="49" charset="-127"/>
+              </a:rPr>
+              <a:t> ~</a:t>
+            </a:r>
+            <a:r>
+              <a:rPr lang="en-US" altLang="ko-KR" dirty="0" err="1">
+                <a:solidFill>
+                  <a:srgbClr val="000000"/>
+                </a:solidFill>
+                <a:latin typeface="돋움체" panose="020B0609000101010101" pitchFamily="49" charset="-127"/>
+                <a:ea typeface="돋움체" panose="020B0609000101010101" pitchFamily="49" charset="-127"/>
+              </a:rPr>
+              <a:t>IApplication</a:t>
+            </a:r>
+            <a:r>
+              <a:rPr lang="en-US" altLang="ko-KR" dirty="0">
+                <a:solidFill>
+                  <a:srgbClr val="000000"/>
+                </a:solidFill>
+                <a:latin typeface="돋움체" panose="020B0609000101010101" pitchFamily="49" charset="-127"/>
+                <a:ea typeface="돋움체" panose="020B0609000101010101" pitchFamily="49" charset="-127"/>
+              </a:rPr>
+              <a:t>() = </a:t>
+            </a:r>
+            <a:r>
+              <a:rPr lang="en-US" altLang="ko-KR" dirty="0">
+                <a:solidFill>
+                  <a:srgbClr val="0000FF"/>
+                </a:solidFill>
+                <a:latin typeface="돋움체" panose="020B0609000101010101" pitchFamily="49" charset="-127"/>
+                <a:ea typeface="돋움체" panose="020B0609000101010101" pitchFamily="49" charset="-127"/>
+              </a:rPr>
+              <a:t>default</a:t>
+            </a:r>
+            <a:r>
+              <a:rPr lang="en-US" altLang="ko-KR" dirty="0">
+                <a:solidFill>
+                  <a:srgbClr val="000000"/>
+                </a:solidFill>
+                <a:latin typeface="돋움체" panose="020B0609000101010101" pitchFamily="49" charset="-127"/>
+                <a:ea typeface="돋움체" panose="020B0609000101010101" pitchFamily="49" charset="-127"/>
+              </a:rPr>
+              <a:t>;</a:t>
+            </a:r>
+          </a:p>
+          <a:p>
+            <a:r>
+              <a:rPr lang="en-US" altLang="ko-KR" dirty="0">
+                <a:solidFill>
+                  <a:srgbClr val="0000FF"/>
+                </a:solidFill>
+                <a:latin typeface="돋움체" panose="020B0609000101010101" pitchFamily="49" charset="-127"/>
+                <a:ea typeface="돋움체" panose="020B0609000101010101" pitchFamily="49" charset="-127"/>
+              </a:rPr>
+              <a:t>virtual</a:t>
+            </a:r>
+            <a:r>
+              <a:rPr lang="en-US" altLang="ko-KR" dirty="0">
+                <a:solidFill>
+                  <a:srgbClr val="000000"/>
+                </a:solidFill>
+                <a:latin typeface="돋움체" panose="020B0609000101010101" pitchFamily="49" charset="-127"/>
+                <a:ea typeface="돋움체" panose="020B0609000101010101" pitchFamily="49" charset="-127"/>
+              </a:rPr>
+              <a:t> </a:t>
+            </a:r>
+            <a:r>
+              <a:rPr lang="en-US" altLang="ko-KR" dirty="0">
+                <a:solidFill>
+                  <a:srgbClr val="0000FF"/>
+                </a:solidFill>
+                <a:latin typeface="돋움체" panose="020B0609000101010101" pitchFamily="49" charset="-127"/>
+                <a:ea typeface="돋움체" panose="020B0609000101010101" pitchFamily="49" charset="-127"/>
+              </a:rPr>
+              <a:t>bool</a:t>
+            </a:r>
+            <a:r>
+              <a:rPr lang="en-US" altLang="ko-KR" dirty="0">
+                <a:solidFill>
+                  <a:srgbClr val="000000"/>
+                </a:solidFill>
+                <a:latin typeface="돋움체" panose="020B0609000101010101" pitchFamily="49" charset="-127"/>
+                <a:ea typeface="돋움체" panose="020B0609000101010101" pitchFamily="49" charset="-127"/>
+              </a:rPr>
+              <a:t> run(</a:t>
+            </a:r>
+            <a:r>
+              <a:rPr lang="en-US" altLang="ko-KR" dirty="0">
+                <a:solidFill>
+                  <a:srgbClr val="0000FF"/>
+                </a:solidFill>
+                <a:latin typeface="돋움체" panose="020B0609000101010101" pitchFamily="49" charset="-127"/>
+                <a:ea typeface="돋움체" panose="020B0609000101010101" pitchFamily="49" charset="-127"/>
+              </a:rPr>
+              <a:t>const</a:t>
+            </a:r>
+            <a:r>
+              <a:rPr lang="en-US" altLang="ko-KR" dirty="0">
+                <a:solidFill>
+                  <a:srgbClr val="000000"/>
+                </a:solidFill>
+                <a:latin typeface="돋움체" panose="020B0609000101010101" pitchFamily="49" charset="-127"/>
+                <a:ea typeface="돋움체" panose="020B0609000101010101" pitchFamily="49" charset="-127"/>
+              </a:rPr>
+              <a:t> std::</a:t>
+            </a:r>
+            <a:r>
+              <a:rPr lang="en-US" altLang="ko-KR" dirty="0">
+                <a:solidFill>
+                  <a:srgbClr val="2B91AF"/>
+                </a:solidFill>
+                <a:latin typeface="돋움체" panose="020B0609000101010101" pitchFamily="49" charset="-127"/>
+                <a:ea typeface="돋움체" panose="020B0609000101010101" pitchFamily="49" charset="-127"/>
+              </a:rPr>
+              <a:t>vector</a:t>
+            </a:r>
+            <a:r>
+              <a:rPr lang="en-US" altLang="ko-KR" dirty="0">
+                <a:solidFill>
+                  <a:srgbClr val="000000"/>
+                </a:solidFill>
+                <a:latin typeface="돋움체" panose="020B0609000101010101" pitchFamily="49" charset="-127"/>
+                <a:ea typeface="돋움체" panose="020B0609000101010101" pitchFamily="49" charset="-127"/>
+              </a:rPr>
+              <a:t>&lt;std::</a:t>
+            </a:r>
+            <a:r>
+              <a:rPr lang="en-US" altLang="ko-KR" dirty="0">
+                <a:solidFill>
+                  <a:srgbClr val="2B91AF"/>
+                </a:solidFill>
+                <a:latin typeface="돋움체" panose="020B0609000101010101" pitchFamily="49" charset="-127"/>
+                <a:ea typeface="돋움체" panose="020B0609000101010101" pitchFamily="49" charset="-127"/>
+              </a:rPr>
+              <a:t>string</a:t>
+            </a:r>
+            <a:r>
+              <a:rPr lang="en-US" altLang="ko-KR" dirty="0">
+                <a:solidFill>
+                  <a:srgbClr val="000000"/>
+                </a:solidFill>
+                <a:latin typeface="돋움체" panose="020B0609000101010101" pitchFamily="49" charset="-127"/>
+                <a:ea typeface="돋움체" panose="020B0609000101010101" pitchFamily="49" charset="-127"/>
+              </a:rPr>
+              <a:t>&gt;&amp; </a:t>
+            </a:r>
+            <a:r>
+              <a:rPr lang="en-US" altLang="ko-KR" dirty="0" err="1">
+                <a:solidFill>
+                  <a:srgbClr val="808080"/>
+                </a:solidFill>
+                <a:latin typeface="돋움체" panose="020B0609000101010101" pitchFamily="49" charset="-127"/>
+                <a:ea typeface="돋움체" panose="020B0609000101010101" pitchFamily="49" charset="-127"/>
+              </a:rPr>
+              <a:t>args</a:t>
+            </a:r>
+            <a:r>
+              <a:rPr lang="en-US" altLang="ko-KR" dirty="0">
+                <a:solidFill>
+                  <a:srgbClr val="000000"/>
+                </a:solidFill>
+                <a:latin typeface="돋움체" panose="020B0609000101010101" pitchFamily="49" charset="-127"/>
+                <a:ea typeface="돋움체" panose="020B0609000101010101" pitchFamily="49" charset="-127"/>
+              </a:rPr>
+              <a:t>) = 0;</a:t>
+            </a:r>
+            <a:endParaRPr lang="ko-KR" altLang="en-US" sz="1100" dirty="0"/>
+          </a:p>
+        </p:txBody>
+      </p:sp>
+      <p:sp>
+        <p:nvSpPr>
+          <p:cNvPr id="40" name="TextBox 39">
+            <a:extLst>
+              <a:ext uri="{FF2B5EF4-FFF2-40B4-BE49-F238E27FC236}">
+                <a16:creationId xmlns:a16="http://schemas.microsoft.com/office/drawing/2014/main" id="{4DB723BF-593C-4E7B-A58D-DCE1A97362AF}"/>
+              </a:ext>
+            </a:extLst>
+          </p:cNvPr>
+          <p:cNvSpPr txBox="1"/>
+          <p:nvPr/>
+        </p:nvSpPr>
+        <p:spPr>
+          <a:xfrm>
+            <a:off x="5845332" y="4542855"/>
+            <a:ext cx="2375971" cy="738664"/>
+          </a:xfrm>
+          <a:prstGeom prst="rect">
+            <a:avLst/>
+          </a:prstGeom>
+          <a:noFill/>
+        </p:spPr>
+        <p:txBody>
+          <a:bodyPr wrap="none" rtlCol="0">
+            <a:spAutoFit/>
+          </a:bodyPr>
+          <a:lstStyle/>
+          <a:p>
+            <a:pPr marL="285750" indent="-285750">
+              <a:buFont typeface="Arial" panose="020B0604020202020204" pitchFamily="34" charset="0"/>
+              <a:buChar char="•"/>
+            </a:pPr>
+            <a:r>
+              <a:rPr lang="en-US" altLang="ko-KR" dirty="0" err="1"/>
+              <a:t>IApplication</a:t>
+            </a:r>
+            <a:r>
+              <a:rPr lang="ko-KR" altLang="en-US" dirty="0"/>
+              <a:t>을 상속받아</a:t>
+            </a:r>
+            <a:br>
+              <a:rPr lang="en-US" altLang="ko-KR" dirty="0"/>
+            </a:br>
+            <a:r>
+              <a:rPr lang="ko-KR" altLang="en-US" dirty="0"/>
+              <a:t>각종 </a:t>
+            </a:r>
+            <a:r>
+              <a:rPr lang="en-US" altLang="ko-KR" dirty="0"/>
+              <a:t>Application</a:t>
+            </a:r>
+            <a:r>
+              <a:rPr lang="ko-KR" altLang="en-US" dirty="0"/>
+              <a:t>들 구현</a:t>
+            </a:r>
+            <a:endParaRPr lang="en-US" altLang="ko-KR" dirty="0"/>
+          </a:p>
+          <a:p>
+            <a:pPr marL="285750" indent="-285750">
+              <a:buFont typeface="Arial" panose="020B0604020202020204" pitchFamily="34" charset="0"/>
+              <a:buChar char="•"/>
+            </a:pPr>
+            <a:endParaRPr lang="en-US" altLang="ko-KR" dirty="0"/>
+          </a:p>
+        </p:txBody>
+      </p:sp>
     </p:spTree>
+    <p:extLst>
+      <p:ext uri="{BB962C8B-B14F-4D97-AF65-F5344CB8AC3E}">
+        <p14:creationId xmlns:p14="http://schemas.microsoft.com/office/powerpoint/2010/main" val="3643175877"/>
+      </p:ext>
+    </p:extLst>
+  </p:cSld>
+  <p:clrMapOvr>
+    <a:masterClrMapping/>
+  </p:clrMapOvr>
+</p:sld>
+</file>
+
+<file path=ppt/slides/slide8.xml><?xml version="1.0" encoding="utf-8"?>
+<p:sld xmlns:a="http://schemas.openxmlformats.org/drawingml/2006/main" xmlns:r="http://schemas.openxmlformats.org/officeDocument/2006/relationships" xmlns:p="http://schemas.openxmlformats.org/presentationml/2006/main">
+  <p:cSld>
+    <p:spTree>
+      <p:nvGrpSpPr>
+        <p:cNvPr id="1" name="Shape 58"/>
+        <p:cNvGrpSpPr/>
+        <p:nvPr/>
+      </p:nvGrpSpPr>
+      <p:grpSpPr>
+        <a:xfrm>
+          <a:off x="0" y="0"/>
+          <a:ext cx="0" cy="0"/>
+          <a:chOff x="0" y="0"/>
+          <a:chExt cx="0" cy="0"/>
+        </a:xfrm>
+      </p:grpSpPr>
+      <p:sp>
+        <p:nvSpPr>
+          <p:cNvPr id="59" name="Google Shape;59;p3"/>
+          <p:cNvSpPr txBox="1">
+            <a:spLocks noGrp="1"/>
+          </p:cNvSpPr>
+          <p:nvPr>
+            <p:ph type="title"/>
+          </p:nvPr>
+        </p:nvSpPr>
+        <p:spPr>
+          <a:xfrm>
+            <a:off x="605980" y="310143"/>
+            <a:ext cx="10515600" cy="649800"/>
+          </a:xfrm>
+          <a:prstGeom prst="rect">
+            <a:avLst/>
+          </a:prstGeom>
+          <a:noFill/>
+          <a:ln>
+            <a:noFill/>
+          </a:ln>
+        </p:spPr>
+        <p:txBody>
+          <a:bodyPr spcFirstLastPara="1" wrap="square" lIns="91425" tIns="45700" rIns="91425" bIns="45700" anchor="ctr" anchorCtr="0">
+            <a:normAutofit fontScale="90000"/>
+          </a:bodyPr>
+          <a:lstStyle/>
+          <a:p>
+            <a:pPr>
+              <a:buSzPts val="4400"/>
+            </a:pPr>
+            <a:r>
+              <a:rPr lang="en-US" altLang="ko-KR" dirty="0"/>
+              <a:t>Command </a:t>
+            </a:r>
+            <a:r>
+              <a:rPr lang="ko-KR" altLang="en-US" dirty="0"/>
+              <a:t>구현 소개</a:t>
+            </a:r>
+          </a:p>
+        </p:txBody>
+      </p:sp>
+    </p:spTree>
+    <p:extLst>
+      <p:ext uri="{BB962C8B-B14F-4D97-AF65-F5344CB8AC3E}">
+        <p14:creationId xmlns:p14="http://schemas.microsoft.com/office/powerpoint/2010/main" val="4154925381"/>
+      </p:ext>
+    </p:extLst>
+  </p:cSld>
+  <p:clrMapOvr>
+    <a:masterClrMapping/>
+  </p:clrMapOvr>
+</p:sld>
+</file>
+
+<file path=ppt/slides/slide9.xml><?xml version="1.0" encoding="utf-8"?>
+<p:sld xmlns:a="http://schemas.openxmlformats.org/drawingml/2006/main" xmlns:r="http://schemas.openxmlformats.org/officeDocument/2006/relationships" xmlns:p="http://schemas.openxmlformats.org/presentationml/2006/main">
+  <p:cSld>
+    <p:spTree>
+      <p:nvGrpSpPr>
+        <p:cNvPr id="1" name="Shape 58"/>
+        <p:cNvGrpSpPr/>
+        <p:nvPr/>
+      </p:nvGrpSpPr>
+      <p:grpSpPr>
+        <a:xfrm>
+          <a:off x="0" y="0"/>
+          <a:ext cx="0" cy="0"/>
+          <a:chOff x="0" y="0"/>
+          <a:chExt cx="0" cy="0"/>
+        </a:xfrm>
+      </p:grpSpPr>
+      <p:sp>
+        <p:nvSpPr>
+          <p:cNvPr id="59" name="Google Shape;59;p3"/>
+          <p:cNvSpPr txBox="1">
+            <a:spLocks noGrp="1"/>
+          </p:cNvSpPr>
+          <p:nvPr>
+            <p:ph type="title"/>
+          </p:nvPr>
+        </p:nvSpPr>
+        <p:spPr>
+          <a:xfrm>
+            <a:off x="605980" y="310143"/>
+            <a:ext cx="10515600" cy="649800"/>
+          </a:xfrm>
+          <a:prstGeom prst="rect">
+            <a:avLst/>
+          </a:prstGeom>
+          <a:noFill/>
+          <a:ln>
+            <a:noFill/>
+          </a:ln>
+        </p:spPr>
+        <p:txBody>
+          <a:bodyPr spcFirstLastPara="1" wrap="square" lIns="91425" tIns="45700" rIns="91425" bIns="45700" anchor="ctr" anchorCtr="0">
+            <a:normAutofit fontScale="90000"/>
+          </a:bodyPr>
+          <a:lstStyle/>
+          <a:p>
+            <a:pPr>
+              <a:buSzPts val="4400"/>
+            </a:pPr>
+            <a:r>
+              <a:rPr lang="en-US" altLang="ko-KR" dirty="0"/>
+              <a:t>SSD </a:t>
+            </a:r>
+            <a:r>
+              <a:rPr lang="ko-KR" altLang="en-US" dirty="0"/>
+              <a:t>구현 소개</a:t>
+            </a:r>
+          </a:p>
+        </p:txBody>
+      </p:sp>
+    </p:spTree>
+    <p:extLst>
+      <p:ext uri="{BB962C8B-B14F-4D97-AF65-F5344CB8AC3E}">
+        <p14:creationId xmlns:p14="http://schemas.microsoft.com/office/powerpoint/2010/main" val="1890324065"/>
+      </p:ext>
+    </p:extLst>
   </p:cSld>
   <p:clrMapOvr>
     <a:masterClrMapping/>
